--- a/Linux-Basic/day5/User and Group Administration.pptx
+++ b/Linux-Basic/day5/User and Group Administration.pptx
@@ -2,8 +2,15 @@
 <file path=ppt/presentation.xml><?xml version="1.0" encoding="utf-8"?>
 <p:presentation xmlns:a="http://schemas.openxmlformats.org/drawingml/2006/main" xmlns:r="http://schemas.openxmlformats.org/officeDocument/2006/relationships" xmlns:p="http://schemas.openxmlformats.org/presentationml/2006/main" saveSubsetFonts="1">
   <p:sldMasterIdLst>
-    <p:sldMasterId id="2147483648" r:id="rId1"/>
+    <p:sldMasterId id="2147483660" r:id="rId1"/>
   </p:sldMasterIdLst>
+  <p:sldIdLst>
+    <p:sldId id="256" r:id="rId2"/>
+    <p:sldId id="257" r:id="rId3"/>
+    <p:sldId id="260" r:id="rId4"/>
+    <p:sldId id="258" r:id="rId5"/>
+    <p:sldId id="259" r:id="rId6"/>
+  </p:sldIdLst>
   <p:sldSz cx="9144000" cy="6858000" type="screen4x3"/>
   <p:notesSz cx="6858000" cy="9144000"/>
   <p:defaultTextStyle>
@@ -133,19 +140,25 @@
         </p:nvSpPr>
         <p:spPr>
           <a:xfrm>
-            <a:off x="685800" y="2130425"/>
-            <a:ext cx="7772400" cy="1470025"/>
+            <a:off x="1066800" y="1406020"/>
+            <a:ext cx="6172199" cy="2251579"/>
           </a:xfrm>
         </p:spPr>
         <p:txBody>
-          <a:bodyPr/>
-          <a:lstStyle/>
+          <a:bodyPr lIns="0" rIns="0" anchor="t">
+            <a:noAutofit/>
+          </a:bodyPr>
+          <a:lstStyle>
+            <a:lvl1pPr>
+              <a:defRPr sz="6600"/>
+            </a:lvl1pPr>
+          </a:lstStyle>
           <a:p>
             <a:r>
               <a:rPr lang="en-US" smtClean="0"/>
               <a:t>Click to edit Master title style</a:t>
             </a:r>
-            <a:endParaRPr lang="en-US"/>
+            <a:endParaRPr lang="en-US" dirty="0"/>
           </a:p>
         </p:txBody>
       </p:sp>
@@ -161,16 +174,18 @@
         </p:nvSpPr>
         <p:spPr>
           <a:xfrm>
-            <a:off x="1371600" y="3886200"/>
-            <a:ext cx="6400800" cy="1752600"/>
+            <a:off x="1066800" y="3905864"/>
+            <a:ext cx="6172200" cy="1123336"/>
           </a:xfrm>
         </p:spPr>
         <p:txBody>
-          <a:bodyPr/>
+          <a:bodyPr>
+            <a:normAutofit/>
+          </a:bodyPr>
           <a:lstStyle>
-            <a:lvl1pPr marL="0" indent="0" algn="ctr">
-              <a:buNone/>
-              <a:defRPr>
+            <a:lvl1pPr marL="0" indent="0" algn="l">
+              <a:buNone/>
+              <a:defRPr sz="2000">
                 <a:solidFill>
                   <a:schemeClr val="tx1">
                     <a:tint val="75000"/>
@@ -264,13 +279,13 @@
               <a:rPr lang="en-US" smtClean="0"/>
               <a:t>Click to edit Master subtitle style</a:t>
             </a:r>
-            <a:endParaRPr lang="en-US"/>
-          </a:p>
-        </p:txBody>
-      </p:sp>
-      <p:sp>
-        <p:nvSpPr>
-          <p:cNvPr id="4" name="Date Placeholder 3"/>
+            <a:endParaRPr lang="en-US" dirty="0"/>
+          </a:p>
+        </p:txBody>
+      </p:sp>
+      <p:sp>
+        <p:nvSpPr>
+          <p:cNvPr id="7" name="Date Placeholder 6"/>
           <p:cNvSpPr>
             <a:spLocks noGrp="1"/>
           </p:cNvSpPr>
@@ -286,7 +301,7 @@
             <a:fld id="{1D8BD707-D9CF-40AE-B4C6-C98DA3205C09}" type="datetimeFigureOut">
               <a:rPr lang="en-US" smtClean="0"/>
               <a:pPr/>
-              <a:t>9/18/2006</a:t>
+              <a:t>20/12/2017</a:t>
             </a:fld>
             <a:endParaRPr lang="en-US"/>
           </a:p>
@@ -294,31 +309,12 @@
       </p:sp>
       <p:sp>
         <p:nvSpPr>
-          <p:cNvPr id="5" name="Footer Placeholder 4"/>
-          <p:cNvSpPr>
-            <a:spLocks noGrp="1"/>
-          </p:cNvSpPr>
-          <p:nvPr>
-            <p:ph type="ftr" sz="quarter" idx="11"/>
-          </p:nvPr>
-        </p:nvSpPr>
-        <p:spPr/>
-        <p:txBody>
-          <a:bodyPr/>
-          <a:lstStyle/>
-          <a:p>
-            <a:endParaRPr lang="en-US"/>
-          </a:p>
-        </p:txBody>
-      </p:sp>
-      <p:sp>
-        <p:nvSpPr>
-          <p:cNvPr id="6" name="Slide Number Placeholder 5"/>
-          <p:cNvSpPr>
-            <a:spLocks noGrp="1"/>
-          </p:cNvSpPr>
-          <p:nvPr>
-            <p:ph type="sldNum" sz="quarter" idx="12"/>
+          <p:cNvPr id="8" name="Slide Number Placeholder 7"/>
+          <p:cNvSpPr>
+            <a:spLocks noGrp="1"/>
+          </p:cNvSpPr>
+          <p:nvPr>
+            <p:ph type="sldNum" sz="quarter" idx="11"/>
           </p:nvPr>
         </p:nvSpPr>
         <p:spPr/>
@@ -331,6 +327,25 @@
               <a:pPr/>
               <a:t>‹#›</a:t>
             </a:fld>
+            <a:endParaRPr lang="en-US"/>
+          </a:p>
+        </p:txBody>
+      </p:sp>
+      <p:sp>
+        <p:nvSpPr>
+          <p:cNvPr id="9" name="Footer Placeholder 8"/>
+          <p:cNvSpPr>
+            <a:spLocks noGrp="1"/>
+          </p:cNvSpPr>
+          <p:nvPr>
+            <p:ph type="ftr" sz="quarter" idx="12"/>
+          </p:nvPr>
+        </p:nvSpPr>
+        <p:spPr/>
+        <p:txBody>
+          <a:bodyPr/>
+          <a:lstStyle/>
+          <a:p>
             <a:endParaRPr lang="en-US"/>
           </a:p>
         </p:txBody>
@@ -340,6 +355,13 @@
   <p:clrMapOvr>
     <a:masterClrMapping/>
   </p:clrMapOvr>
+  <p:timing>
+    <p:tnLst>
+      <p:par>
+        <p:cTn id="1" dur="indefinite" restart="never" nodeType="tmRoot"/>
+      </p:par>
+    </p:tnLst>
+  </p:timing>
 </p:sldLayout>
 </file>
 
@@ -379,7 +401,7 @@
               <a:rPr lang="en-US" smtClean="0"/>
               <a:t>Click to edit Master title style</a:t>
             </a:r>
-            <a:endParaRPr lang="en-US"/>
+            <a:endParaRPr lang="en-US" dirty="0"/>
           </a:p>
         </p:txBody>
       </p:sp>
@@ -393,67 +415,72 @@
             <p:ph type="body" orient="vert" idx="1"/>
           </p:nvPr>
         </p:nvSpPr>
+        <p:spPr>
+          <a:xfrm>
+            <a:off x="3454400" y="1554480"/>
+            <a:ext cx="4222308" cy="3886202"/>
+          </a:xfrm>
+        </p:spPr>
+        <p:txBody>
+          <a:bodyPr vert="eaVert"/>
+          <a:lstStyle/>
+          <a:p>
+            <a:pPr lvl="0"/>
+            <a:r>
+              <a:rPr lang="en-US" smtClean="0"/>
+              <a:t>Click to edit Master text styles</a:t>
+            </a:r>
+          </a:p>
+          <a:p>
+            <a:pPr lvl="1"/>
+            <a:r>
+              <a:rPr lang="en-US" smtClean="0"/>
+              <a:t>Second level</a:t>
+            </a:r>
+          </a:p>
+          <a:p>
+            <a:pPr lvl="2"/>
+            <a:r>
+              <a:rPr lang="en-US" smtClean="0"/>
+              <a:t>Third level</a:t>
+            </a:r>
+          </a:p>
+          <a:p>
+            <a:pPr lvl="3"/>
+            <a:r>
+              <a:rPr lang="en-US" smtClean="0"/>
+              <a:t>Fourth level</a:t>
+            </a:r>
+          </a:p>
+          <a:p>
+            <a:pPr lvl="4"/>
+            <a:r>
+              <a:rPr lang="en-US" smtClean="0"/>
+              <a:t>Fifth level</a:t>
+            </a:r>
+            <a:endParaRPr lang="en-US" dirty="0"/>
+          </a:p>
+        </p:txBody>
+      </p:sp>
+      <p:sp>
+        <p:nvSpPr>
+          <p:cNvPr id="4" name="Date Placeholder 3"/>
+          <p:cNvSpPr>
+            <a:spLocks noGrp="1"/>
+          </p:cNvSpPr>
+          <p:nvPr>
+            <p:ph type="dt" sz="half" idx="10"/>
+          </p:nvPr>
+        </p:nvSpPr>
         <p:spPr/>
         <p:txBody>
-          <a:bodyPr vert="eaVert"/>
-          <a:lstStyle/>
-          <a:p>
-            <a:pPr lvl="0"/>
-            <a:r>
-              <a:rPr lang="en-US" smtClean="0"/>
-              <a:t>Click to edit Master text styles</a:t>
-            </a:r>
-          </a:p>
-          <a:p>
-            <a:pPr lvl="1"/>
-            <a:r>
-              <a:rPr lang="en-US" smtClean="0"/>
-              <a:t>Second level</a:t>
-            </a:r>
-          </a:p>
-          <a:p>
-            <a:pPr lvl="2"/>
-            <a:r>
-              <a:rPr lang="en-US" smtClean="0"/>
-              <a:t>Third level</a:t>
-            </a:r>
-          </a:p>
-          <a:p>
-            <a:pPr lvl="3"/>
-            <a:r>
-              <a:rPr lang="en-US" smtClean="0"/>
-              <a:t>Fourth level</a:t>
-            </a:r>
-          </a:p>
-          <a:p>
-            <a:pPr lvl="4"/>
-            <a:r>
-              <a:rPr lang="en-US" smtClean="0"/>
-              <a:t>Fifth level</a:t>
-            </a:r>
-            <a:endParaRPr lang="en-US"/>
-          </a:p>
-        </p:txBody>
-      </p:sp>
-      <p:sp>
-        <p:nvSpPr>
-          <p:cNvPr id="4" name="Date Placeholder 3"/>
-          <p:cNvSpPr>
-            <a:spLocks noGrp="1"/>
-          </p:cNvSpPr>
-          <p:nvPr>
-            <p:ph type="dt" sz="half" idx="10"/>
-          </p:nvPr>
-        </p:nvSpPr>
-        <p:spPr/>
-        <p:txBody>
           <a:bodyPr/>
           <a:lstStyle/>
           <a:p>
             <a:fld id="{1D8BD707-D9CF-40AE-B4C6-C98DA3205C09}" type="datetimeFigureOut">
               <a:rPr lang="en-US" smtClean="0"/>
               <a:pPr/>
-              <a:t>9/18/2006</a:t>
+              <a:t>20/12/2017</a:t>
             </a:fld>
             <a:endParaRPr lang="en-US"/>
           </a:p>
@@ -507,6 +534,13 @@
   <p:clrMapOvr>
     <a:masterClrMapping/>
   </p:clrMapOvr>
+  <p:timing>
+    <p:tnLst>
+      <p:par>
+        <p:cTn id="1" dur="indefinite" restart="never" nodeType="tmRoot"/>
+      </p:par>
+    </p:tnLst>
+  </p:timing>
 </p:sldLayout>
 </file>
 
@@ -539,8 +573,8 @@
         </p:nvSpPr>
         <p:spPr>
           <a:xfrm>
-            <a:off x="6629400" y="274638"/>
-            <a:ext cx="2057400" cy="5851525"/>
+            <a:off x="1069848" y="1554480"/>
+            <a:ext cx="2075688" cy="3886200"/>
           </a:xfrm>
         </p:spPr>
         <p:txBody>
@@ -551,7 +585,7 @@
               <a:rPr lang="en-US" smtClean="0"/>
               <a:t>Click to edit Master title style</a:t>
             </a:r>
-            <a:endParaRPr lang="en-US"/>
+            <a:endParaRPr lang="en-US" dirty="0"/>
           </a:p>
         </p:txBody>
       </p:sp>
@@ -567,13 +601,29 @@
         </p:nvSpPr>
         <p:spPr>
           <a:xfrm>
-            <a:off x="457200" y="274638"/>
-            <a:ext cx="6019800" cy="5851525"/>
+            <a:off x="3456432" y="1554480"/>
+            <a:ext cx="4224528" cy="3886200"/>
           </a:xfrm>
         </p:spPr>
         <p:txBody>
           <a:bodyPr vert="eaVert"/>
-          <a:lstStyle/>
+          <a:lstStyle>
+            <a:lvl1pPr algn="l">
+              <a:defRPr/>
+            </a:lvl1pPr>
+            <a:lvl2pPr algn="l">
+              <a:defRPr/>
+            </a:lvl2pPr>
+            <a:lvl3pPr algn="l">
+              <a:defRPr/>
+            </a:lvl3pPr>
+            <a:lvl4pPr algn="l">
+              <a:defRPr/>
+            </a:lvl4pPr>
+            <a:lvl5pPr algn="l">
+              <a:defRPr/>
+            </a:lvl5pPr>
+          </a:lstStyle>
           <a:p>
             <a:pPr lvl="0"/>
             <a:r>
@@ -630,7 +680,7 @@
             <a:fld id="{1D8BD707-D9CF-40AE-B4C6-C98DA3205C09}" type="datetimeFigureOut">
               <a:rPr lang="en-US" smtClean="0"/>
               <a:pPr/>
-              <a:t>9/18/2006</a:t>
+              <a:t>20/12/2017</a:t>
             </a:fld>
             <a:endParaRPr lang="en-US"/>
           </a:p>
@@ -684,6 +734,13 @@
   <p:clrMapOvr>
     <a:masterClrMapping/>
   </p:clrMapOvr>
+  <p:timing>
+    <p:tnLst>
+      <p:par>
+        <p:cTn id="1" dur="indefinite" restart="never" nodeType="tmRoot"/>
+      </p:par>
+    </p:tnLst>
+  </p:timing>
 </p:sldLayout>
 </file>
 
@@ -706,12 +763,69 @@
       </p:grpSpPr>
       <p:sp>
         <p:nvSpPr>
-          <p:cNvPr id="2" name="Title 1"/>
-          <p:cNvSpPr>
-            <a:spLocks noGrp="1"/>
-          </p:cNvSpPr>
-          <p:nvPr>
-            <p:ph type="title"/>
+          <p:cNvPr id="8" name="Content Placeholder 7"/>
+          <p:cNvSpPr>
+            <a:spLocks noGrp="1"/>
+          </p:cNvSpPr>
+          <p:nvPr>
+            <p:ph sz="quarter" idx="13"/>
+          </p:nvPr>
+        </p:nvSpPr>
+        <p:spPr>
+          <a:xfrm>
+            <a:off x="3456432" y="1545336"/>
+            <a:ext cx="4224528" cy="3886200"/>
+          </a:xfrm>
+        </p:spPr>
+        <p:txBody>
+          <a:bodyPr/>
+          <a:lstStyle/>
+          <a:p>
+            <a:pPr lvl="0"/>
+            <a:r>
+              <a:rPr lang="en-US" smtClean="0"/>
+              <a:t>Click to edit Master text styles</a:t>
+            </a:r>
+          </a:p>
+          <a:p>
+            <a:pPr lvl="1"/>
+            <a:r>
+              <a:rPr lang="en-US" smtClean="0"/>
+              <a:t>Second level</a:t>
+            </a:r>
+          </a:p>
+          <a:p>
+            <a:pPr lvl="2"/>
+            <a:r>
+              <a:rPr lang="en-US" smtClean="0"/>
+              <a:t>Third level</a:t>
+            </a:r>
+          </a:p>
+          <a:p>
+            <a:pPr lvl="3"/>
+            <a:r>
+              <a:rPr lang="en-US" smtClean="0"/>
+              <a:t>Fourth level</a:t>
+            </a:r>
+          </a:p>
+          <a:p>
+            <a:pPr lvl="4"/>
+            <a:r>
+              <a:rPr lang="en-US" smtClean="0"/>
+              <a:t>Fifth level</a:t>
+            </a:r>
+            <a:endParaRPr lang="en-US"/>
+          </a:p>
+        </p:txBody>
+      </p:sp>
+      <p:sp>
+        <p:nvSpPr>
+          <p:cNvPr id="9" name="Date Placeholder 8"/>
+          <p:cNvSpPr>
+            <a:spLocks noGrp="1"/>
+          </p:cNvSpPr>
+          <p:nvPr>
+            <p:ph type="dt" sz="half" idx="14"/>
           </p:nvPr>
         </p:nvSpPr>
         <p:spPr/>
@@ -719,85 +833,10 @@
           <a:bodyPr/>
           <a:lstStyle/>
           <a:p>
-            <a:r>
-              <a:rPr lang="en-US" smtClean="0"/>
-              <a:t>Click to edit Master title style</a:t>
-            </a:r>
-            <a:endParaRPr lang="en-US"/>
-          </a:p>
-        </p:txBody>
-      </p:sp>
-      <p:sp>
-        <p:nvSpPr>
-          <p:cNvPr id="3" name="Content Placeholder 2"/>
-          <p:cNvSpPr>
-            <a:spLocks noGrp="1"/>
-          </p:cNvSpPr>
-          <p:nvPr>
-            <p:ph idx="1"/>
-          </p:nvPr>
-        </p:nvSpPr>
-        <p:spPr/>
-        <p:txBody>
-          <a:bodyPr/>
-          <a:lstStyle/>
-          <a:p>
-            <a:pPr lvl="0"/>
-            <a:r>
-              <a:rPr lang="en-US" smtClean="0"/>
-              <a:t>Click to edit Master text styles</a:t>
-            </a:r>
-          </a:p>
-          <a:p>
-            <a:pPr lvl="1"/>
-            <a:r>
-              <a:rPr lang="en-US" smtClean="0"/>
-              <a:t>Second level</a:t>
-            </a:r>
-          </a:p>
-          <a:p>
-            <a:pPr lvl="2"/>
-            <a:r>
-              <a:rPr lang="en-US" smtClean="0"/>
-              <a:t>Third level</a:t>
-            </a:r>
-          </a:p>
-          <a:p>
-            <a:pPr lvl="3"/>
-            <a:r>
-              <a:rPr lang="en-US" smtClean="0"/>
-              <a:t>Fourth level</a:t>
-            </a:r>
-          </a:p>
-          <a:p>
-            <a:pPr lvl="4"/>
-            <a:r>
-              <a:rPr lang="en-US" smtClean="0"/>
-              <a:t>Fifth level</a:t>
-            </a:r>
-            <a:endParaRPr lang="en-US"/>
-          </a:p>
-        </p:txBody>
-      </p:sp>
-      <p:sp>
-        <p:nvSpPr>
-          <p:cNvPr id="4" name="Date Placeholder 3"/>
-          <p:cNvSpPr>
-            <a:spLocks noGrp="1"/>
-          </p:cNvSpPr>
-          <p:nvPr>
-            <p:ph type="dt" sz="half" idx="10"/>
-          </p:nvPr>
-        </p:nvSpPr>
-        <p:spPr/>
-        <p:txBody>
-          <a:bodyPr/>
-          <a:lstStyle/>
-          <a:p>
             <a:fld id="{1D8BD707-D9CF-40AE-B4C6-C98DA3205C09}" type="datetimeFigureOut">
               <a:rPr lang="en-US" smtClean="0"/>
               <a:pPr/>
-              <a:t>9/18/2006</a:t>
+              <a:t>20/12/2017</a:t>
             </a:fld>
             <a:endParaRPr lang="en-US"/>
           </a:p>
@@ -805,31 +844,12 @@
       </p:sp>
       <p:sp>
         <p:nvSpPr>
-          <p:cNvPr id="5" name="Footer Placeholder 4"/>
-          <p:cNvSpPr>
-            <a:spLocks noGrp="1"/>
-          </p:cNvSpPr>
-          <p:nvPr>
-            <p:ph type="ftr" sz="quarter" idx="11"/>
-          </p:nvPr>
-        </p:nvSpPr>
-        <p:spPr/>
-        <p:txBody>
-          <a:bodyPr/>
-          <a:lstStyle/>
-          <a:p>
-            <a:endParaRPr lang="en-US"/>
-          </a:p>
-        </p:txBody>
-      </p:sp>
-      <p:sp>
-        <p:nvSpPr>
-          <p:cNvPr id="6" name="Slide Number Placeholder 5"/>
-          <p:cNvSpPr>
-            <a:spLocks noGrp="1"/>
-          </p:cNvSpPr>
-          <p:nvPr>
-            <p:ph type="sldNum" sz="quarter" idx="12"/>
+          <p:cNvPr id="10" name="Slide Number Placeholder 9"/>
+          <p:cNvSpPr>
+            <a:spLocks noGrp="1"/>
+          </p:cNvSpPr>
+          <p:nvPr>
+            <p:ph type="sldNum" sz="quarter" idx="15"/>
           </p:nvPr>
         </p:nvSpPr>
         <p:spPr/>
@@ -843,6 +863,48 @@
               <a:t>‹#›</a:t>
             </a:fld>
             <a:endParaRPr lang="en-US"/>
+          </a:p>
+        </p:txBody>
+      </p:sp>
+      <p:sp>
+        <p:nvSpPr>
+          <p:cNvPr id="11" name="Footer Placeholder 10"/>
+          <p:cNvSpPr>
+            <a:spLocks noGrp="1"/>
+          </p:cNvSpPr>
+          <p:nvPr>
+            <p:ph type="ftr" sz="quarter" idx="16"/>
+          </p:nvPr>
+        </p:nvSpPr>
+        <p:spPr/>
+        <p:txBody>
+          <a:bodyPr/>
+          <a:lstStyle/>
+          <a:p>
+            <a:endParaRPr lang="en-US"/>
+          </a:p>
+        </p:txBody>
+      </p:sp>
+      <p:sp>
+        <p:nvSpPr>
+          <p:cNvPr id="12" name="Title 11"/>
+          <p:cNvSpPr>
+            <a:spLocks noGrp="1"/>
+          </p:cNvSpPr>
+          <p:nvPr>
+            <p:ph type="title"/>
+          </p:nvPr>
+        </p:nvSpPr>
+        <p:spPr/>
+        <p:txBody>
+          <a:bodyPr/>
+          <a:lstStyle/>
+          <a:p>
+            <a:r>
+              <a:rPr lang="en-US" smtClean="0"/>
+              <a:t>Click to edit Master title style</a:t>
+            </a:r>
+            <a:endParaRPr lang="en-US" dirty="0"/>
           </a:p>
         </p:txBody>
       </p:sp>
@@ -851,6 +913,13 @@
   <p:clrMapOvr>
     <a:masterClrMapping/>
   </p:clrMapOvr>
+  <p:timing>
+    <p:tnLst>
+      <p:par>
+        <p:cTn id="1" dur="indefinite" restart="never" nodeType="tmRoot"/>
+      </p:par>
+    </p:tnLst>
+  </p:timing>
 </p:sldLayout>
 </file>
 
@@ -883,15 +952,17 @@
         </p:nvSpPr>
         <p:spPr>
           <a:xfrm>
-            <a:off x="722313" y="4406900"/>
-            <a:ext cx="7772400" cy="1362075"/>
+            <a:off x="1069848" y="1472184"/>
+            <a:ext cx="6172200" cy="2130552"/>
           </a:xfrm>
         </p:spPr>
         <p:txBody>
-          <a:bodyPr anchor="t"/>
+          <a:bodyPr anchor="t">
+            <a:noAutofit/>
+          </a:bodyPr>
           <a:lstStyle>
             <a:lvl1pPr algn="l">
-              <a:defRPr sz="4000" b="1" cap="all"/>
+              <a:defRPr sz="4800" b="1" cap="all"/>
             </a:lvl1pPr>
           </a:lstStyle>
           <a:p>
@@ -899,7 +970,7 @@
               <a:rPr lang="en-US" smtClean="0"/>
               <a:t>Click to edit Master title style</a:t>
             </a:r>
-            <a:endParaRPr lang="en-US"/>
+            <a:endParaRPr lang="en-US" dirty="0"/>
           </a:p>
         </p:txBody>
       </p:sp>
@@ -915,16 +986,18 @@
         </p:nvSpPr>
         <p:spPr>
           <a:xfrm>
-            <a:off x="722313" y="2906713"/>
-            <a:ext cx="7772400" cy="1500187"/>
+            <a:off x="1069848" y="3886200"/>
+            <a:ext cx="6172200" cy="914400"/>
           </a:xfrm>
         </p:spPr>
         <p:txBody>
-          <a:bodyPr anchor="b"/>
+          <a:bodyPr anchor="t">
+            <a:normAutofit/>
+          </a:bodyPr>
           <a:lstStyle>
             <a:lvl1pPr marL="0" indent="0">
               <a:buNone/>
-              <a:defRPr sz="2000">
+              <a:defRPr sz="1800">
                 <a:solidFill>
                   <a:schemeClr val="tx1">
                     <a:tint val="75000"/>
@@ -1024,7 +1097,7 @@
       </p:sp>
       <p:sp>
         <p:nvSpPr>
-          <p:cNvPr id="4" name="Date Placeholder 3"/>
+          <p:cNvPr id="7" name="Date Placeholder 6"/>
           <p:cNvSpPr>
             <a:spLocks noGrp="1"/>
           </p:cNvSpPr>
@@ -1040,7 +1113,7 @@
             <a:fld id="{1D8BD707-D9CF-40AE-B4C6-C98DA3205C09}" type="datetimeFigureOut">
               <a:rPr lang="en-US" smtClean="0"/>
               <a:pPr/>
-              <a:t>9/18/2006</a:t>
+              <a:t>20/12/2017</a:t>
             </a:fld>
             <a:endParaRPr lang="en-US"/>
           </a:p>
@@ -1048,31 +1121,12 @@
       </p:sp>
       <p:sp>
         <p:nvSpPr>
-          <p:cNvPr id="5" name="Footer Placeholder 4"/>
-          <p:cNvSpPr>
-            <a:spLocks noGrp="1"/>
-          </p:cNvSpPr>
-          <p:nvPr>
-            <p:ph type="ftr" sz="quarter" idx="11"/>
-          </p:nvPr>
-        </p:nvSpPr>
-        <p:spPr/>
-        <p:txBody>
-          <a:bodyPr/>
-          <a:lstStyle/>
-          <a:p>
-            <a:endParaRPr lang="en-US"/>
-          </a:p>
-        </p:txBody>
-      </p:sp>
-      <p:sp>
-        <p:nvSpPr>
-          <p:cNvPr id="6" name="Slide Number Placeholder 5"/>
-          <p:cNvSpPr>
-            <a:spLocks noGrp="1"/>
-          </p:cNvSpPr>
-          <p:nvPr>
-            <p:ph type="sldNum" sz="quarter" idx="12"/>
+          <p:cNvPr id="8" name="Slide Number Placeholder 7"/>
+          <p:cNvSpPr>
+            <a:spLocks noGrp="1"/>
+          </p:cNvSpPr>
+          <p:nvPr>
+            <p:ph type="sldNum" sz="quarter" idx="11"/>
           </p:nvPr>
         </p:nvSpPr>
         <p:spPr/>
@@ -1085,6 +1139,25 @@
               <a:pPr/>
               <a:t>‹#›</a:t>
             </a:fld>
+            <a:endParaRPr lang="en-US"/>
+          </a:p>
+        </p:txBody>
+      </p:sp>
+      <p:sp>
+        <p:nvSpPr>
+          <p:cNvPr id="9" name="Footer Placeholder 8"/>
+          <p:cNvSpPr>
+            <a:spLocks noGrp="1"/>
+          </p:cNvSpPr>
+          <p:nvPr>
+            <p:ph type="ftr" sz="quarter" idx="12"/>
+          </p:nvPr>
+        </p:nvSpPr>
+        <p:spPr/>
+        <p:txBody>
+          <a:bodyPr/>
+          <a:lstStyle/>
+          <a:p>
             <a:endParaRPr lang="en-US"/>
           </a:p>
         </p:txBody>
@@ -1094,6 +1167,13 @@
   <p:clrMapOvr>
     <a:masterClrMapping/>
   </p:clrMapOvr>
+  <p:timing>
+    <p:tnLst>
+      <p:par>
+        <p:cTn id="1" dur="indefinite" restart="never" nodeType="tmRoot"/>
+      </p:par>
+    </p:tnLst>
+  </p:timing>
 </p:sldLayout>
 </file>
 
@@ -1124,46 +1204,53 @@
             <p:ph type="title"/>
           </p:nvPr>
         </p:nvSpPr>
-        <p:spPr/>
-        <p:txBody>
-          <a:bodyPr/>
-          <a:lstStyle/>
-          <a:p>
-            <a:r>
-              <a:rPr lang="en-US" smtClean="0"/>
-              <a:t>Click to edit Master title style</a:t>
-            </a:r>
-            <a:endParaRPr lang="en-US"/>
-          </a:p>
-        </p:txBody>
-      </p:sp>
-      <p:sp>
-        <p:nvSpPr>
-          <p:cNvPr id="3" name="Content Placeholder 2"/>
-          <p:cNvSpPr>
-            <a:spLocks noGrp="1"/>
-          </p:cNvSpPr>
-          <p:nvPr>
-            <p:ph sz="half" idx="1"/>
-          </p:nvPr>
-        </p:nvSpPr>
         <p:spPr>
           <a:xfrm>
-            <a:off x="457200" y="1600200"/>
-            <a:ext cx="4038600" cy="4525963"/>
+            <a:off x="493776" y="609600"/>
+            <a:ext cx="3616325" cy="1066800"/>
           </a:xfrm>
         </p:spPr>
         <p:txBody>
           <a:bodyPr/>
+          <a:lstStyle/>
+          <a:p>
+            <a:r>
+              <a:rPr lang="en-US" smtClean="0"/>
+              <a:t>Click to edit Master title style</a:t>
+            </a:r>
+            <a:endParaRPr lang="en-US" dirty="0"/>
+          </a:p>
+        </p:txBody>
+      </p:sp>
+      <p:sp>
+        <p:nvSpPr>
+          <p:cNvPr id="3" name="Content Placeholder 2"/>
+          <p:cNvSpPr>
+            <a:spLocks noGrp="1"/>
+          </p:cNvSpPr>
+          <p:nvPr>
+            <p:ph sz="half" idx="1"/>
+          </p:nvPr>
+        </p:nvSpPr>
+        <p:spPr>
+          <a:xfrm>
+            <a:off x="4486998" y="1915859"/>
+            <a:ext cx="3646966" cy="2881426"/>
+          </a:xfrm>
+        </p:spPr>
+        <p:txBody>
+          <a:bodyPr>
+            <a:normAutofit/>
+          </a:bodyPr>
           <a:lstStyle>
             <a:lvl1pPr>
-              <a:defRPr sz="2800"/>
+              <a:defRPr sz="1800"/>
             </a:lvl1pPr>
             <a:lvl2pPr>
-              <a:defRPr sz="2400"/>
+              <a:defRPr sz="1800"/>
             </a:lvl2pPr>
             <a:lvl3pPr>
-              <a:defRPr sz="2000"/>
+              <a:defRPr sz="1800"/>
             </a:lvl3pPr>
             <a:lvl4pPr>
               <a:defRPr sz="1800"/>
@@ -1218,7 +1305,7 @@
               <a:rPr lang="en-US" smtClean="0"/>
               <a:t>Fifth level</a:t>
             </a:r>
-            <a:endParaRPr lang="en-US"/>
+            <a:endParaRPr lang="en-US" dirty="0"/>
           </a:p>
         </p:txBody>
       </p:sp>
@@ -1234,21 +1321,23 @@
         </p:nvSpPr>
         <p:spPr>
           <a:xfrm>
-            <a:off x="4648200" y="1600200"/>
-            <a:ext cx="4038600" cy="4525963"/>
+            <a:off x="496754" y="1915881"/>
+            <a:ext cx="3639311" cy="2881398"/>
           </a:xfrm>
         </p:spPr>
         <p:txBody>
-          <a:bodyPr/>
+          <a:bodyPr>
+            <a:normAutofit/>
+          </a:bodyPr>
           <a:lstStyle>
             <a:lvl1pPr>
-              <a:defRPr sz="2800"/>
+              <a:defRPr sz="1800"/>
             </a:lvl1pPr>
             <a:lvl2pPr>
-              <a:defRPr sz="2400"/>
+              <a:defRPr sz="1800"/>
             </a:lvl2pPr>
             <a:lvl3pPr>
-              <a:defRPr sz="2000"/>
+              <a:defRPr sz="1800"/>
             </a:lvl3pPr>
             <a:lvl4pPr>
               <a:defRPr sz="1800"/>
@@ -1303,13 +1392,13 @@
               <a:rPr lang="en-US" smtClean="0"/>
               <a:t>Fifth level</a:t>
             </a:r>
-            <a:endParaRPr lang="en-US"/>
-          </a:p>
-        </p:txBody>
-      </p:sp>
-      <p:sp>
-        <p:nvSpPr>
-          <p:cNvPr id="5" name="Date Placeholder 4"/>
+            <a:endParaRPr lang="en-US" dirty="0"/>
+          </a:p>
+        </p:txBody>
+      </p:sp>
+      <p:sp>
+        <p:nvSpPr>
+          <p:cNvPr id="9" name="Date Placeholder 8"/>
           <p:cNvSpPr>
             <a:spLocks noGrp="1"/>
           </p:cNvSpPr>
@@ -1325,7 +1414,7 @@
             <a:fld id="{1D8BD707-D9CF-40AE-B4C6-C98DA3205C09}" type="datetimeFigureOut">
               <a:rPr lang="en-US" smtClean="0"/>
               <a:pPr/>
-              <a:t>9/18/2006</a:t>
+              <a:t>20/12/2017</a:t>
             </a:fld>
             <a:endParaRPr lang="en-US"/>
           </a:p>
@@ -1333,31 +1422,12 @@
       </p:sp>
       <p:sp>
         <p:nvSpPr>
-          <p:cNvPr id="6" name="Footer Placeholder 5"/>
-          <p:cNvSpPr>
-            <a:spLocks noGrp="1"/>
-          </p:cNvSpPr>
-          <p:nvPr>
-            <p:ph type="ftr" sz="quarter" idx="11"/>
-          </p:nvPr>
-        </p:nvSpPr>
-        <p:spPr/>
-        <p:txBody>
-          <a:bodyPr/>
-          <a:lstStyle/>
-          <a:p>
-            <a:endParaRPr lang="en-US"/>
-          </a:p>
-        </p:txBody>
-      </p:sp>
-      <p:sp>
-        <p:nvSpPr>
-          <p:cNvPr id="7" name="Slide Number Placeholder 6"/>
-          <p:cNvSpPr>
-            <a:spLocks noGrp="1"/>
-          </p:cNvSpPr>
-          <p:nvPr>
-            <p:ph type="sldNum" sz="quarter" idx="12"/>
+          <p:cNvPr id="10" name="Slide Number Placeholder 9"/>
+          <p:cNvSpPr>
+            <a:spLocks noGrp="1"/>
+          </p:cNvSpPr>
+          <p:nvPr>
+            <p:ph type="sldNum" sz="quarter" idx="11"/>
           </p:nvPr>
         </p:nvSpPr>
         <p:spPr/>
@@ -1370,6 +1440,30 @@
               <a:pPr/>
               <a:t>‹#›</a:t>
             </a:fld>
+            <a:endParaRPr lang="en-US"/>
+          </a:p>
+        </p:txBody>
+      </p:sp>
+      <p:sp>
+        <p:nvSpPr>
+          <p:cNvPr id="11" name="Footer Placeholder 10"/>
+          <p:cNvSpPr>
+            <a:spLocks noGrp="1"/>
+          </p:cNvSpPr>
+          <p:nvPr>
+            <p:ph type="ftr" sz="quarter" idx="12"/>
+          </p:nvPr>
+        </p:nvSpPr>
+        <p:spPr>
+          <a:xfrm>
+            <a:off x="493776" y="6356350"/>
+            <a:ext cx="5102352" cy="365125"/>
+          </a:xfrm>
+        </p:spPr>
+        <p:txBody>
+          <a:bodyPr/>
+          <a:lstStyle/>
+          <a:p>
             <a:endParaRPr lang="en-US"/>
           </a:p>
         </p:txBody>
@@ -1379,6 +1473,13 @@
   <p:clrMapOvr>
     <a:masterClrMapping/>
   </p:clrMapOvr>
+  <p:timing>
+    <p:tnLst>
+      <p:par>
+        <p:cTn id="1" dur="indefinite" restart="never" nodeType="tmRoot"/>
+      </p:par>
+    </p:tnLst>
+  </p:timing>
 </p:sldLayout>
 </file>
 
@@ -1409,7 +1510,12 @@
             <p:ph type="title"/>
           </p:nvPr>
         </p:nvSpPr>
-        <p:spPr/>
+        <p:spPr>
+          <a:xfrm>
+            <a:off x="493776" y="609600"/>
+            <a:ext cx="3615734" cy="1066799"/>
+          </a:xfrm>
+        </p:spPr>
         <p:txBody>
           <a:bodyPr/>
           <a:lstStyle>
@@ -1422,7 +1528,7 @@
               <a:rPr lang="en-US" smtClean="0"/>
               <a:t>Click to edit Master title style</a:t>
             </a:r>
-            <a:endParaRPr lang="en-US"/>
+            <a:endParaRPr lang="en-US" dirty="0"/>
           </a:p>
         </p:txBody>
       </p:sp>
@@ -1438,16 +1544,18 @@
         </p:nvSpPr>
         <p:spPr>
           <a:xfrm>
-            <a:off x="457200" y="1535113"/>
-            <a:ext cx="4040188" cy="639762"/>
+            <a:off x="495301" y="1916113"/>
+            <a:ext cx="3638550" cy="646112"/>
           </a:xfrm>
         </p:spPr>
         <p:txBody>
-          <a:bodyPr anchor="b"/>
+          <a:bodyPr anchor="t">
+            <a:normAutofit/>
+          </a:bodyPr>
           <a:lstStyle>
             <a:lvl1pPr marL="0" indent="0">
               <a:buNone/>
-              <a:defRPr sz="2400" b="1"/>
+              <a:defRPr sz="1800" b="0"/>
             </a:lvl1pPr>
             <a:lvl2pPr marL="457200" indent="0">
               <a:buNone/>
@@ -1503,27 +1611,29 @@
         </p:nvSpPr>
         <p:spPr>
           <a:xfrm>
-            <a:off x="457200" y="2174875"/>
-            <a:ext cx="4040188" cy="3951288"/>
+            <a:off x="495300" y="2860676"/>
+            <a:ext cx="3638550" cy="2882899"/>
           </a:xfrm>
         </p:spPr>
         <p:txBody>
-          <a:bodyPr/>
+          <a:bodyPr>
+            <a:normAutofit/>
+          </a:bodyPr>
           <a:lstStyle>
             <a:lvl1pPr>
-              <a:defRPr sz="2400"/>
+              <a:defRPr sz="1800"/>
             </a:lvl1pPr>
             <a:lvl2pPr>
-              <a:defRPr sz="2000"/>
+              <a:defRPr sz="1800"/>
             </a:lvl2pPr>
             <a:lvl3pPr>
               <a:defRPr sz="1800"/>
             </a:lvl3pPr>
             <a:lvl4pPr>
-              <a:defRPr sz="1600"/>
+              <a:defRPr sz="1800"/>
             </a:lvl4pPr>
             <a:lvl5pPr>
-              <a:defRPr sz="1600"/>
+              <a:defRPr sz="1800"/>
             </a:lvl5pPr>
             <a:lvl6pPr>
               <a:defRPr sz="1600"/>
@@ -1572,7 +1682,7 @@
               <a:rPr lang="en-US" smtClean="0"/>
               <a:t>Fifth level</a:t>
             </a:r>
-            <a:endParaRPr lang="en-US"/>
+            <a:endParaRPr lang="en-US" dirty="0"/>
           </a:p>
         </p:txBody>
       </p:sp>
@@ -1588,16 +1698,18 @@
         </p:nvSpPr>
         <p:spPr>
           <a:xfrm>
-            <a:off x="4645025" y="1535113"/>
-            <a:ext cx="4041775" cy="639762"/>
+            <a:off x="4492625" y="1916113"/>
+            <a:ext cx="3660775" cy="646112"/>
           </a:xfrm>
         </p:spPr>
         <p:txBody>
-          <a:bodyPr anchor="b"/>
+          <a:bodyPr anchor="t">
+            <a:normAutofit/>
+          </a:bodyPr>
           <a:lstStyle>
             <a:lvl1pPr marL="0" indent="0">
               <a:buNone/>
-              <a:defRPr sz="2400" b="1"/>
+              <a:defRPr sz="1800" b="0"/>
             </a:lvl1pPr>
             <a:lvl2pPr marL="457200" indent="0">
               <a:buNone/>
@@ -1653,27 +1765,29 @@
         </p:nvSpPr>
         <p:spPr>
           <a:xfrm>
-            <a:off x="4645025" y="2174875"/>
-            <a:ext cx="4041775" cy="3951288"/>
+            <a:off x="4492626" y="2860676"/>
+            <a:ext cx="3651250" cy="2882900"/>
           </a:xfrm>
         </p:spPr>
         <p:txBody>
-          <a:bodyPr/>
+          <a:bodyPr>
+            <a:normAutofit/>
+          </a:bodyPr>
           <a:lstStyle>
             <a:lvl1pPr>
-              <a:defRPr sz="2400"/>
+              <a:defRPr sz="1800"/>
             </a:lvl1pPr>
             <a:lvl2pPr>
-              <a:defRPr sz="2000"/>
+              <a:defRPr sz="1800"/>
             </a:lvl2pPr>
             <a:lvl3pPr>
               <a:defRPr sz="1800"/>
             </a:lvl3pPr>
             <a:lvl4pPr>
-              <a:defRPr sz="1600"/>
+              <a:defRPr sz="1800"/>
             </a:lvl4pPr>
             <a:lvl5pPr>
-              <a:defRPr sz="1600"/>
+              <a:defRPr sz="1800"/>
             </a:lvl5pPr>
             <a:lvl6pPr>
               <a:defRPr sz="1600"/>
@@ -1722,13 +1836,13 @@
               <a:rPr lang="en-US" smtClean="0"/>
               <a:t>Fifth level</a:t>
             </a:r>
-            <a:endParaRPr lang="en-US"/>
-          </a:p>
-        </p:txBody>
-      </p:sp>
-      <p:sp>
-        <p:nvSpPr>
-          <p:cNvPr id="7" name="Date Placeholder 6"/>
+            <a:endParaRPr lang="en-US" dirty="0"/>
+          </a:p>
+        </p:txBody>
+      </p:sp>
+      <p:sp>
+        <p:nvSpPr>
+          <p:cNvPr id="10" name="Date Placeholder 9"/>
           <p:cNvSpPr>
             <a:spLocks noGrp="1"/>
           </p:cNvSpPr>
@@ -1744,7 +1858,7 @@
             <a:fld id="{1D8BD707-D9CF-40AE-B4C6-C98DA3205C09}" type="datetimeFigureOut">
               <a:rPr lang="en-US" smtClean="0"/>
               <a:pPr/>
-              <a:t>9/18/2006</a:t>
+              <a:t>20/12/2017</a:t>
             </a:fld>
             <a:endParaRPr lang="en-US"/>
           </a:p>
@@ -1752,31 +1866,12 @@
       </p:sp>
       <p:sp>
         <p:nvSpPr>
-          <p:cNvPr id="8" name="Footer Placeholder 7"/>
-          <p:cNvSpPr>
-            <a:spLocks noGrp="1"/>
-          </p:cNvSpPr>
-          <p:nvPr>
-            <p:ph type="ftr" sz="quarter" idx="11"/>
-          </p:nvPr>
-        </p:nvSpPr>
-        <p:spPr/>
-        <p:txBody>
-          <a:bodyPr/>
-          <a:lstStyle/>
-          <a:p>
-            <a:endParaRPr lang="en-US"/>
-          </a:p>
-        </p:txBody>
-      </p:sp>
-      <p:sp>
-        <p:nvSpPr>
-          <p:cNvPr id="9" name="Slide Number Placeholder 8"/>
-          <p:cNvSpPr>
-            <a:spLocks noGrp="1"/>
-          </p:cNvSpPr>
-          <p:nvPr>
-            <p:ph type="sldNum" sz="quarter" idx="12"/>
+          <p:cNvPr id="11" name="Slide Number Placeholder 10"/>
+          <p:cNvSpPr>
+            <a:spLocks noGrp="1"/>
+          </p:cNvSpPr>
+          <p:nvPr>
+            <p:ph type="sldNum" sz="quarter" idx="11"/>
           </p:nvPr>
         </p:nvSpPr>
         <p:spPr/>
@@ -1789,6 +1884,30 @@
               <a:pPr/>
               <a:t>‹#›</a:t>
             </a:fld>
+            <a:endParaRPr lang="en-US"/>
+          </a:p>
+        </p:txBody>
+      </p:sp>
+      <p:sp>
+        <p:nvSpPr>
+          <p:cNvPr id="12" name="Footer Placeholder 11"/>
+          <p:cNvSpPr>
+            <a:spLocks noGrp="1"/>
+          </p:cNvSpPr>
+          <p:nvPr>
+            <p:ph type="ftr" sz="quarter" idx="12"/>
+          </p:nvPr>
+        </p:nvSpPr>
+        <p:spPr>
+          <a:xfrm>
+            <a:off x="493776" y="6356350"/>
+            <a:ext cx="5102352" cy="365125"/>
+          </a:xfrm>
+        </p:spPr>
+        <p:txBody>
+          <a:bodyPr/>
+          <a:lstStyle/>
+          <a:p>
             <a:endParaRPr lang="en-US"/>
           </a:p>
         </p:txBody>
@@ -1798,6 +1917,13 @@
   <p:clrMapOvr>
     <a:masterClrMapping/>
   </p:clrMapOvr>
+  <p:timing>
+    <p:tnLst>
+      <p:par>
+        <p:cTn id="1" dur="indefinite" restart="never" nodeType="tmRoot"/>
+      </p:par>
+    </p:tnLst>
+  </p:timing>
 </p:sldLayout>
 </file>
 
@@ -1820,46 +1946,28 @@
       </p:grpSpPr>
       <p:sp>
         <p:nvSpPr>
-          <p:cNvPr id="2" name="Title 1"/>
-          <p:cNvSpPr>
-            <a:spLocks noGrp="1"/>
-          </p:cNvSpPr>
-          <p:nvPr>
-            <p:ph type="title"/>
-          </p:nvPr>
-        </p:nvSpPr>
-        <p:spPr/>
+          <p:cNvPr id="3" name="Date Placeholder 2"/>
+          <p:cNvSpPr>
+            <a:spLocks noGrp="1"/>
+          </p:cNvSpPr>
+          <p:nvPr>
+            <p:ph type="dt" sz="half" idx="10"/>
+          </p:nvPr>
+        </p:nvSpPr>
+        <p:spPr>
+          <a:xfrm>
+            <a:off x="7162800" y="1551543"/>
+            <a:ext cx="1828800" cy="365125"/>
+          </a:xfrm>
+        </p:spPr>
         <p:txBody>
           <a:bodyPr/>
           <a:lstStyle/>
           <a:p>
-            <a:r>
-              <a:rPr lang="en-US" smtClean="0"/>
-              <a:t>Click to edit Master title style</a:t>
-            </a:r>
-            <a:endParaRPr lang="en-US"/>
-          </a:p>
-        </p:txBody>
-      </p:sp>
-      <p:sp>
-        <p:nvSpPr>
-          <p:cNvPr id="3" name="Date Placeholder 2"/>
-          <p:cNvSpPr>
-            <a:spLocks noGrp="1"/>
-          </p:cNvSpPr>
-          <p:nvPr>
-            <p:ph type="dt" sz="half" idx="10"/>
-          </p:nvPr>
-        </p:nvSpPr>
-        <p:spPr/>
-        <p:txBody>
-          <a:bodyPr/>
-          <a:lstStyle/>
-          <a:p>
             <a:fld id="{1D8BD707-D9CF-40AE-B4C6-C98DA3205C09}" type="datetimeFigureOut">
               <a:rPr lang="en-US" smtClean="0"/>
               <a:pPr/>
-              <a:t>9/18/2006</a:t>
+              <a:t>20/12/2017</a:t>
             </a:fld>
             <a:endParaRPr lang="en-US"/>
           </a:p>
@@ -1867,12 +1975,12 @@
       </p:sp>
       <p:sp>
         <p:nvSpPr>
-          <p:cNvPr id="4" name="Footer Placeholder 3"/>
-          <p:cNvSpPr>
-            <a:spLocks noGrp="1"/>
-          </p:cNvSpPr>
-          <p:nvPr>
-            <p:ph type="ftr" sz="quarter" idx="11"/>
+          <p:cNvPr id="5" name="Title 4"/>
+          <p:cNvSpPr>
+            <a:spLocks noGrp="1"/>
+          </p:cNvSpPr>
+          <p:nvPr>
+            <p:ph type="title"/>
           </p:nvPr>
         </p:nvSpPr>
         <p:spPr/>
@@ -1880,18 +1988,22 @@
           <a:bodyPr/>
           <a:lstStyle/>
           <a:p>
-            <a:endParaRPr lang="en-US"/>
-          </a:p>
-        </p:txBody>
-      </p:sp>
-      <p:sp>
-        <p:nvSpPr>
-          <p:cNvPr id="5" name="Slide Number Placeholder 4"/>
-          <p:cNvSpPr>
-            <a:spLocks noGrp="1"/>
-          </p:cNvSpPr>
-          <p:nvPr>
-            <p:ph type="sldNum" sz="quarter" idx="12"/>
+            <a:r>
+              <a:rPr lang="en-US" smtClean="0"/>
+              <a:t>Click to edit Master title style</a:t>
+            </a:r>
+            <a:endParaRPr lang="en-US" dirty="0"/>
+          </a:p>
+        </p:txBody>
+      </p:sp>
+      <p:sp>
+        <p:nvSpPr>
+          <p:cNvPr id="4" name="Slide Number Placeholder 3"/>
+          <p:cNvSpPr>
+            <a:spLocks noGrp="1"/>
+          </p:cNvSpPr>
+          <p:nvPr>
+            <p:ph type="sldNum" sz="quarter" idx="11"/>
           </p:nvPr>
         </p:nvSpPr>
         <p:spPr/>
@@ -1904,6 +2016,25 @@
               <a:pPr/>
               <a:t>‹#›</a:t>
             </a:fld>
+            <a:endParaRPr lang="en-US"/>
+          </a:p>
+        </p:txBody>
+      </p:sp>
+      <p:sp>
+        <p:nvSpPr>
+          <p:cNvPr id="6" name="Footer Placeholder 5"/>
+          <p:cNvSpPr>
+            <a:spLocks noGrp="1"/>
+          </p:cNvSpPr>
+          <p:nvPr>
+            <p:ph type="ftr" sz="quarter" idx="12"/>
+          </p:nvPr>
+        </p:nvSpPr>
+        <p:spPr/>
+        <p:txBody>
+          <a:bodyPr/>
+          <a:lstStyle/>
+          <a:p>
             <a:endParaRPr lang="en-US"/>
           </a:p>
         </p:txBody>
@@ -1913,6 +2044,13 @@
   <p:clrMapOvr>
     <a:masterClrMapping/>
   </p:clrMapOvr>
+  <p:timing>
+    <p:tnLst>
+      <p:par>
+        <p:cTn id="1" dur="indefinite" restart="never" nodeType="tmRoot"/>
+      </p:par>
+    </p:tnLst>
+  </p:timing>
 </p:sldLayout>
 </file>
 
@@ -1951,7 +2089,7 @@
             <a:fld id="{1D8BD707-D9CF-40AE-B4C6-C98DA3205C09}" type="datetimeFigureOut">
               <a:rPr lang="en-US" smtClean="0"/>
               <a:pPr/>
-              <a:t>9/18/2006</a:t>
+              <a:t>20/12/2017</a:t>
             </a:fld>
             <a:endParaRPr lang="en-US"/>
           </a:p>
@@ -2005,6 +2143,13 @@
   <p:clrMapOvr>
     <a:masterClrMapping/>
   </p:clrMapOvr>
+  <p:timing>
+    <p:tnLst>
+      <p:par>
+        <p:cTn id="1" dur="indefinite" restart="never" nodeType="tmRoot"/>
+      </p:par>
+    </p:tnLst>
+  </p:timing>
 </p:sldLayout>
 </file>
 
@@ -2027,69 +2172,39 @@
       </p:grpSpPr>
       <p:sp>
         <p:nvSpPr>
-          <p:cNvPr id="2" name="Title 1"/>
-          <p:cNvSpPr>
-            <a:spLocks noGrp="1"/>
-          </p:cNvSpPr>
-          <p:nvPr>
-            <p:ph type="title"/>
+          <p:cNvPr id="3" name="Content Placeholder 2"/>
+          <p:cNvSpPr>
+            <a:spLocks noGrp="1"/>
+          </p:cNvSpPr>
+          <p:nvPr>
+            <p:ph idx="1"/>
           </p:nvPr>
         </p:nvSpPr>
         <p:spPr>
           <a:xfrm>
-            <a:off x="457200" y="273050"/>
-            <a:ext cx="3008313" cy="1162050"/>
+            <a:off x="4489450" y="1920876"/>
+            <a:ext cx="3654425" cy="2889249"/>
           </a:xfrm>
         </p:spPr>
         <p:txBody>
-          <a:bodyPr anchor="b"/>
-          <a:lstStyle>
-            <a:lvl1pPr algn="l">
-              <a:defRPr sz="2000" b="1"/>
-            </a:lvl1pPr>
-          </a:lstStyle>
-          <a:p>
-            <a:r>
-              <a:rPr lang="en-US" smtClean="0"/>
-              <a:t>Click to edit Master title style</a:t>
-            </a:r>
-            <a:endParaRPr lang="en-US"/>
-          </a:p>
-        </p:txBody>
-      </p:sp>
-      <p:sp>
-        <p:nvSpPr>
-          <p:cNvPr id="3" name="Content Placeholder 2"/>
-          <p:cNvSpPr>
-            <a:spLocks noGrp="1"/>
-          </p:cNvSpPr>
-          <p:nvPr>
-            <p:ph idx="1"/>
-          </p:nvPr>
-        </p:nvSpPr>
-        <p:spPr>
-          <a:xfrm>
-            <a:off x="3575050" y="273050"/>
-            <a:ext cx="5111750" cy="5853113"/>
-          </a:xfrm>
-        </p:spPr>
-        <p:txBody>
-          <a:bodyPr/>
+          <a:bodyPr>
+            <a:normAutofit/>
+          </a:bodyPr>
           <a:lstStyle>
             <a:lvl1pPr>
-              <a:defRPr sz="3200"/>
+              <a:defRPr sz="1800"/>
             </a:lvl1pPr>
             <a:lvl2pPr>
-              <a:defRPr sz="2800"/>
+              <a:defRPr sz="1800"/>
             </a:lvl2pPr>
             <a:lvl3pPr>
-              <a:defRPr sz="2400"/>
+              <a:defRPr sz="1800"/>
             </a:lvl3pPr>
             <a:lvl4pPr>
-              <a:defRPr sz="2000"/>
+              <a:defRPr sz="1800"/>
             </a:lvl4pPr>
             <a:lvl5pPr>
-              <a:defRPr sz="2000"/>
+              <a:defRPr sz="1800"/>
             </a:lvl5pPr>
             <a:lvl6pPr>
               <a:defRPr sz="2000"/>
@@ -2138,32 +2253,68 @@
               <a:rPr lang="en-US" smtClean="0"/>
               <a:t>Fifth level</a:t>
             </a:r>
-            <a:endParaRPr lang="en-US"/>
-          </a:p>
-        </p:txBody>
-      </p:sp>
-      <p:sp>
-        <p:nvSpPr>
-          <p:cNvPr id="4" name="Text Placeholder 3"/>
-          <p:cNvSpPr>
-            <a:spLocks noGrp="1"/>
-          </p:cNvSpPr>
-          <p:nvPr>
-            <p:ph type="body" sz="half" idx="2"/>
+            <a:endParaRPr lang="en-US" dirty="0"/>
+          </a:p>
+        </p:txBody>
+      </p:sp>
+      <p:sp>
+        <p:nvSpPr>
+          <p:cNvPr id="2" name="Title 1"/>
+          <p:cNvSpPr>
+            <a:spLocks noGrp="1"/>
+          </p:cNvSpPr>
+          <p:nvPr>
+            <p:ph type="title"/>
           </p:nvPr>
         </p:nvSpPr>
         <p:spPr>
           <a:xfrm>
-            <a:off x="457200" y="1435100"/>
-            <a:ext cx="3008313" cy="4691063"/>
+            <a:off x="493776" y="606425"/>
+            <a:ext cx="3629025" cy="1041400"/>
           </a:xfrm>
         </p:spPr>
         <p:txBody>
-          <a:bodyPr/>
+          <a:bodyPr anchor="t">
+            <a:normAutofit/>
+          </a:bodyPr>
+          <a:lstStyle>
+            <a:lvl1pPr algn="l">
+              <a:defRPr sz="1800" b="1"/>
+            </a:lvl1pPr>
+          </a:lstStyle>
+          <a:p>
+            <a:r>
+              <a:rPr lang="en-US" smtClean="0"/>
+              <a:t>Click to edit Master title style</a:t>
+            </a:r>
+            <a:endParaRPr lang="en-US" dirty="0"/>
+          </a:p>
+        </p:txBody>
+      </p:sp>
+      <p:sp>
+        <p:nvSpPr>
+          <p:cNvPr id="4" name="Text Placeholder 3"/>
+          <p:cNvSpPr>
+            <a:spLocks noGrp="1"/>
+          </p:cNvSpPr>
+          <p:nvPr>
+            <p:ph type="body" sz="half" idx="2"/>
+          </p:nvPr>
+        </p:nvSpPr>
+        <p:spPr>
+          <a:xfrm>
+            <a:off x="495300" y="1920875"/>
+            <a:ext cx="3629025" cy="1812925"/>
+          </a:xfrm>
+        </p:spPr>
+        <p:txBody>
+          <a:bodyPr>
+            <a:normAutofit/>
+          </a:bodyPr>
           <a:lstStyle>
             <a:lvl1pPr marL="0" indent="0">
               <a:buNone/>
-              <a:defRPr sz="1400"/>
+              <a:defRPr sz="1800"/>
             </a:lvl1pPr>
             <a:lvl2pPr marL="457200" indent="0">
               <a:buNone/>
@@ -2209,7 +2360,7 @@
       </p:sp>
       <p:sp>
         <p:nvSpPr>
-          <p:cNvPr id="5" name="Date Placeholder 4"/>
+          <p:cNvPr id="8" name="Date Placeholder 7"/>
           <p:cNvSpPr>
             <a:spLocks noGrp="1"/>
           </p:cNvSpPr>
@@ -2225,7 +2376,7 @@
             <a:fld id="{1D8BD707-D9CF-40AE-B4C6-C98DA3205C09}" type="datetimeFigureOut">
               <a:rPr lang="en-US" smtClean="0"/>
               <a:pPr/>
-              <a:t>9/18/2006</a:t>
+              <a:t>20/12/2017</a:t>
             </a:fld>
             <a:endParaRPr lang="en-US"/>
           </a:p>
@@ -2233,31 +2384,12 @@
       </p:sp>
       <p:sp>
         <p:nvSpPr>
-          <p:cNvPr id="6" name="Footer Placeholder 5"/>
-          <p:cNvSpPr>
-            <a:spLocks noGrp="1"/>
-          </p:cNvSpPr>
-          <p:nvPr>
-            <p:ph type="ftr" sz="quarter" idx="11"/>
-          </p:nvPr>
-        </p:nvSpPr>
-        <p:spPr/>
-        <p:txBody>
-          <a:bodyPr/>
-          <a:lstStyle/>
-          <a:p>
-            <a:endParaRPr lang="en-US"/>
-          </a:p>
-        </p:txBody>
-      </p:sp>
-      <p:sp>
-        <p:nvSpPr>
-          <p:cNvPr id="7" name="Slide Number Placeholder 6"/>
-          <p:cNvSpPr>
-            <a:spLocks noGrp="1"/>
-          </p:cNvSpPr>
-          <p:nvPr>
-            <p:ph type="sldNum" sz="quarter" idx="12"/>
+          <p:cNvPr id="9" name="Slide Number Placeholder 8"/>
+          <p:cNvSpPr>
+            <a:spLocks noGrp="1"/>
+          </p:cNvSpPr>
+          <p:nvPr>
+            <p:ph type="sldNum" sz="quarter" idx="11"/>
           </p:nvPr>
         </p:nvSpPr>
         <p:spPr/>
@@ -2270,6 +2402,30 @@
               <a:pPr/>
               <a:t>‹#›</a:t>
             </a:fld>
+            <a:endParaRPr lang="en-US"/>
+          </a:p>
+        </p:txBody>
+      </p:sp>
+      <p:sp>
+        <p:nvSpPr>
+          <p:cNvPr id="10" name="Footer Placeholder 9"/>
+          <p:cNvSpPr>
+            <a:spLocks noGrp="1"/>
+          </p:cNvSpPr>
+          <p:nvPr>
+            <p:ph type="ftr" sz="quarter" idx="12"/>
+          </p:nvPr>
+        </p:nvSpPr>
+        <p:spPr>
+          <a:xfrm>
+            <a:off x="493776" y="6356350"/>
+            <a:ext cx="5102352" cy="365125"/>
+          </a:xfrm>
+        </p:spPr>
+        <p:txBody>
+          <a:bodyPr/>
+          <a:lstStyle/>
+          <a:p>
             <a:endParaRPr lang="en-US"/>
           </a:p>
         </p:txBody>
@@ -2279,6 +2435,13 @@
   <p:clrMapOvr>
     <a:masterClrMapping/>
   </p:clrMapOvr>
+  <p:timing>
+    <p:tnLst>
+      <p:par>
+        <p:cTn id="1" dur="indefinite" restart="never" nodeType="tmRoot"/>
+      </p:par>
+    </p:tnLst>
+  </p:timing>
 </p:sldLayout>
 </file>
 
@@ -2311,15 +2474,20 @@
         </p:nvSpPr>
         <p:spPr>
           <a:xfrm>
-            <a:off x="1792288" y="4800600"/>
-            <a:ext cx="5486400" cy="566738"/>
+            <a:off x="493776" y="600074"/>
+            <a:ext cx="2074862" cy="1981201"/>
           </a:xfrm>
+          <a:ln>
+            <a:noFill/>
+          </a:ln>
         </p:spPr>
         <p:txBody>
-          <a:bodyPr anchor="b"/>
+          <a:bodyPr anchor="t">
+            <a:normAutofit/>
+          </a:bodyPr>
           <a:lstStyle>
             <a:lvl1pPr algn="l">
-              <a:defRPr sz="2000" b="1"/>
+              <a:defRPr sz="1800" b="0"/>
             </a:lvl1pPr>
           </a:lstStyle>
           <a:p>
@@ -2327,7 +2495,7 @@
               <a:rPr lang="en-US" smtClean="0"/>
               <a:t>Click to edit Master title style</a:t>
             </a:r>
-            <a:endParaRPr lang="en-US"/>
+            <a:endParaRPr lang="en-US" dirty="0"/>
           </a:p>
         </p:txBody>
       </p:sp>
@@ -2343,8 +2511,8 @@
         </p:nvSpPr>
         <p:spPr>
           <a:xfrm>
-            <a:off x="1792288" y="612775"/>
-            <a:ext cx="5486400" cy="4114800"/>
+            <a:off x="2963862" y="1650999"/>
+            <a:ext cx="5627687" cy="4220765"/>
           </a:xfrm>
         </p:spPr>
         <p:txBody>
@@ -2388,7 +2556,11 @@
             </a:lvl9pPr>
           </a:lstStyle>
           <a:p>
-            <a:endParaRPr lang="en-US"/>
+            <a:r>
+              <a:rPr lang="en-US" smtClean="0"/>
+              <a:t>Click icon to add picture</a:t>
+            </a:r>
+            <a:endParaRPr lang="en-US" dirty="0"/>
           </a:p>
         </p:txBody>
       </p:sp>
@@ -2404,16 +2576,18 @@
         </p:nvSpPr>
         <p:spPr>
           <a:xfrm>
-            <a:off x="1792288" y="5367338"/>
-            <a:ext cx="5486400" cy="804862"/>
+            <a:off x="2963862" y="614363"/>
+            <a:ext cx="3741738" cy="909637"/>
           </a:xfrm>
         </p:spPr>
         <p:txBody>
-          <a:bodyPr/>
+          <a:bodyPr>
+            <a:normAutofit/>
+          </a:bodyPr>
           <a:lstStyle>
             <a:lvl1pPr marL="0" indent="0">
               <a:buNone/>
-              <a:defRPr sz="1400"/>
+              <a:defRPr sz="1800"/>
             </a:lvl1pPr>
             <a:lvl2pPr marL="457200" indent="0">
               <a:buNone/>
@@ -2459,7 +2633,7 @@
       </p:sp>
       <p:sp>
         <p:nvSpPr>
-          <p:cNvPr id="5" name="Date Placeholder 4"/>
+          <p:cNvPr id="8" name="Date Placeholder 7"/>
           <p:cNvSpPr>
             <a:spLocks noGrp="1"/>
           </p:cNvSpPr>
@@ -2475,7 +2649,7 @@
             <a:fld id="{1D8BD707-D9CF-40AE-B4C6-C98DA3205C09}" type="datetimeFigureOut">
               <a:rPr lang="en-US" smtClean="0"/>
               <a:pPr/>
-              <a:t>9/18/2006</a:t>
+              <a:t>20/12/2017</a:t>
             </a:fld>
             <a:endParaRPr lang="en-US"/>
           </a:p>
@@ -2483,31 +2657,12 @@
       </p:sp>
       <p:sp>
         <p:nvSpPr>
-          <p:cNvPr id="6" name="Footer Placeholder 5"/>
-          <p:cNvSpPr>
-            <a:spLocks noGrp="1"/>
-          </p:cNvSpPr>
-          <p:nvPr>
-            <p:ph type="ftr" sz="quarter" idx="11"/>
-          </p:nvPr>
-        </p:nvSpPr>
-        <p:spPr/>
-        <p:txBody>
-          <a:bodyPr/>
-          <a:lstStyle/>
-          <a:p>
-            <a:endParaRPr lang="en-US"/>
-          </a:p>
-        </p:txBody>
-      </p:sp>
-      <p:sp>
-        <p:nvSpPr>
-          <p:cNvPr id="7" name="Slide Number Placeholder 6"/>
-          <p:cNvSpPr>
-            <a:spLocks noGrp="1"/>
-          </p:cNvSpPr>
-          <p:nvPr>
-            <p:ph type="sldNum" sz="quarter" idx="12"/>
+          <p:cNvPr id="9" name="Slide Number Placeholder 8"/>
+          <p:cNvSpPr>
+            <a:spLocks noGrp="1"/>
+          </p:cNvSpPr>
+          <p:nvPr>
+            <p:ph type="sldNum" sz="quarter" idx="11"/>
           </p:nvPr>
         </p:nvSpPr>
         <p:spPr/>
@@ -2520,6 +2675,30 @@
               <a:pPr/>
               <a:t>‹#›</a:t>
             </a:fld>
+            <a:endParaRPr lang="en-US"/>
+          </a:p>
+        </p:txBody>
+      </p:sp>
+      <p:sp>
+        <p:nvSpPr>
+          <p:cNvPr id="10" name="Footer Placeholder 9"/>
+          <p:cNvSpPr>
+            <a:spLocks noGrp="1"/>
+          </p:cNvSpPr>
+          <p:nvPr>
+            <p:ph type="ftr" sz="quarter" idx="12"/>
+          </p:nvPr>
+        </p:nvSpPr>
+        <p:spPr>
+          <a:xfrm>
+            <a:off x="493776" y="6356350"/>
+            <a:ext cx="5102352" cy="365125"/>
+          </a:xfrm>
+        </p:spPr>
+        <p:txBody>
+          <a:bodyPr/>
+          <a:lstStyle/>
+          <a:p>
             <a:endParaRPr lang="en-US"/>
           </a:p>
         </p:txBody>
@@ -2529,6 +2708,13 @@
   <p:clrMapOvr>
     <a:masterClrMapping/>
   </p:clrMapOvr>
+  <p:timing>
+    <p:tnLst>
+      <p:par>
+        <p:cTn id="1" dur="indefinite" restart="never" nodeType="tmRoot"/>
+      </p:par>
+    </p:tnLst>
+  </p:timing>
 </p:sldLayout>
 </file>
 
@@ -2536,8 +2722,8 @@
 <p:sldMaster xmlns:a="http://schemas.openxmlformats.org/drawingml/2006/main" xmlns:r="http://schemas.openxmlformats.org/officeDocument/2006/relationships" xmlns:p="http://schemas.openxmlformats.org/presentationml/2006/main">
   <p:cSld>
     <p:bg>
-      <p:bgRef idx="1001">
-        <a:schemeClr val="bg1"/>
+      <p:bgRef idx="1002">
+        <a:schemeClr val="bg2"/>
       </p:bgRef>
     </p:bg>
     <p:spTree>
@@ -2566,15 +2752,15 @@
         </p:nvSpPr>
         <p:spPr>
           <a:xfrm>
-            <a:off x="457200" y="274638"/>
-            <a:ext cx="8229600" cy="1143000"/>
+            <a:off x="1069848" y="1554480"/>
+            <a:ext cx="2073348" cy="1979466"/>
           </a:xfrm>
           <a:prstGeom prst="rect">
             <a:avLst/>
           </a:prstGeom>
         </p:spPr>
         <p:txBody>
-          <a:bodyPr vert="horz" lIns="91440" tIns="45720" rIns="91440" bIns="45720" rtlCol="0" anchor="ctr">
+          <a:bodyPr vert="horz" lIns="91440" tIns="45720" rIns="91440" bIns="45720" rtlCol="0" anchor="t">
             <a:normAutofit/>
           </a:bodyPr>
           <a:lstStyle/>
@@ -2583,7 +2769,7 @@
               <a:rPr lang="en-US" smtClean="0"/>
               <a:t>Click to edit Master title style</a:t>
             </a:r>
-            <a:endParaRPr lang="en-US"/>
+            <a:endParaRPr lang="en-US" dirty="0"/>
           </a:p>
         </p:txBody>
       </p:sp>
@@ -2599,8 +2785,8 @@
         </p:nvSpPr>
         <p:spPr>
           <a:xfrm>
-            <a:off x="457200" y="1600200"/>
-            <a:ext cx="8229600" cy="4525963"/>
+            <a:off x="3454400" y="1547036"/>
+            <a:ext cx="4222308" cy="3886202"/>
           </a:xfrm>
           <a:prstGeom prst="rect">
             <a:avLst/>
@@ -2645,7 +2831,7 @@
               <a:rPr lang="en-US" smtClean="0"/>
               <a:t>Fifth level</a:t>
             </a:r>
-            <a:endParaRPr lang="en-US"/>
+            <a:endParaRPr lang="en-US" dirty="0"/>
           </a:p>
         </p:txBody>
       </p:sp>
@@ -2661,15 +2847,15 @@
         </p:nvSpPr>
         <p:spPr>
           <a:xfrm>
-            <a:off x="457200" y="6356350"/>
-            <a:ext cx="2133600" cy="365125"/>
+            <a:off x="7162800" y="189468"/>
+            <a:ext cx="1828800" cy="365125"/>
           </a:xfrm>
           <a:prstGeom prst="rect">
             <a:avLst/>
           </a:prstGeom>
         </p:spPr>
         <p:txBody>
-          <a:bodyPr vert="horz" lIns="91440" tIns="45720" rIns="91440" bIns="45720" rtlCol="0" anchor="ctr"/>
+          <a:bodyPr vert="horz" lIns="91440" tIns="45720" rIns="91440" bIns="45720" rtlCol="0" anchor="t"/>
           <a:lstStyle>
             <a:lvl1pPr algn="l">
               <a:defRPr sz="1200">
@@ -2685,7 +2871,7 @@
             <a:fld id="{1D8BD707-D9CF-40AE-B4C6-C98DA3205C09}" type="datetimeFigureOut">
               <a:rPr lang="en-US" smtClean="0"/>
               <a:pPr/>
-              <a:t>9/18/2006</a:t>
+              <a:t>20/12/2017</a:t>
             </a:fld>
             <a:endParaRPr lang="en-US"/>
           </a:p>
@@ -2703,17 +2889,52 @@
         </p:nvSpPr>
         <p:spPr>
           <a:xfrm>
-            <a:off x="3124200" y="6356350"/>
-            <a:ext cx="2895600" cy="365125"/>
+            <a:off x="1069848" y="6356350"/>
+            <a:ext cx="5102352" cy="365125"/>
           </a:xfrm>
           <a:prstGeom prst="rect">
             <a:avLst/>
           </a:prstGeom>
         </p:spPr>
         <p:txBody>
-          <a:bodyPr vert="horz" lIns="91440" tIns="45720" rIns="91440" bIns="45720" rtlCol="0" anchor="ctr"/>
+          <a:bodyPr vert="horz" lIns="91440" tIns="45720" rIns="91440" bIns="45720" rtlCol="0" anchor="t"/>
           <a:lstStyle>
-            <a:lvl1pPr algn="ctr">
+            <a:lvl1pPr algn="l">
+              <a:defRPr sz="1200">
+                <a:solidFill>
+                  <a:schemeClr val="tx1"/>
+                </a:solidFill>
+              </a:defRPr>
+            </a:lvl1pPr>
+          </a:lstStyle>
+          <a:p>
+            <a:endParaRPr lang="en-US"/>
+          </a:p>
+        </p:txBody>
+      </p:sp>
+      <p:sp>
+        <p:nvSpPr>
+          <p:cNvPr id="6" name="Slide Number Placeholder 5"/>
+          <p:cNvSpPr>
+            <a:spLocks noGrp="1"/>
+          </p:cNvSpPr>
+          <p:nvPr>
+            <p:ph type="sldNum" sz="quarter" idx="4"/>
+          </p:nvPr>
+        </p:nvSpPr>
+        <p:spPr>
+          <a:xfrm>
+            <a:off x="7159752" y="6356350"/>
+            <a:ext cx="1137684" cy="365125"/>
+          </a:xfrm>
+          <a:prstGeom prst="rect">
+            <a:avLst/>
+          </a:prstGeom>
+        </p:spPr>
+        <p:txBody>
+          <a:bodyPr vert="horz" lIns="91440" tIns="45720" rIns="91440" bIns="45720" rtlCol="0" anchor="t"/>
+          <a:lstStyle>
+            <a:lvl1pPr algn="l">
               <a:defRPr sz="1200">
                 <a:solidFill>
                   <a:schemeClr val="tx1">
@@ -2724,43 +2945,6 @@
             </a:lvl1pPr>
           </a:lstStyle>
           <a:p>
-            <a:endParaRPr lang="en-US"/>
-          </a:p>
-        </p:txBody>
-      </p:sp>
-      <p:sp>
-        <p:nvSpPr>
-          <p:cNvPr id="6" name="Slide Number Placeholder 5"/>
-          <p:cNvSpPr>
-            <a:spLocks noGrp="1"/>
-          </p:cNvSpPr>
-          <p:nvPr>
-            <p:ph type="sldNum" sz="quarter" idx="4"/>
-          </p:nvPr>
-        </p:nvSpPr>
-        <p:spPr>
-          <a:xfrm>
-            <a:off x="6553200" y="6356350"/>
-            <a:ext cx="2133600" cy="365125"/>
-          </a:xfrm>
-          <a:prstGeom prst="rect">
-            <a:avLst/>
-          </a:prstGeom>
-        </p:spPr>
-        <p:txBody>
-          <a:bodyPr vert="horz" lIns="91440" tIns="45720" rIns="91440" bIns="45720" rtlCol="0" anchor="ctr"/>
-          <a:lstStyle>
-            <a:lvl1pPr algn="r">
-              <a:defRPr sz="1200">
-                <a:solidFill>
-                  <a:schemeClr val="tx1">
-                    <a:tint val="75000"/>
-                  </a:schemeClr>
-                </a:solidFill>
-              </a:defRPr>
-            </a:lvl1pPr>
-          </a:lstStyle>
-          <a:p>
             <a:fld id="{B6F15528-21DE-4FAA-801E-634DDDAF4B2B}" type="slidenum">
               <a:rPr lang="en-US" smtClean="0"/>
               <a:pPr/>
@@ -2772,28 +2956,35 @@
       </p:sp>
     </p:spTree>
   </p:cSld>
-  <p:clrMap bg1="lt1" tx1="dk1" bg2="lt2" tx2="dk2" accent1="accent1" accent2="accent2" accent3="accent3" accent4="accent4" accent5="accent5" accent6="accent6" hlink="hlink" folHlink="folHlink"/>
+  <p:clrMap bg1="dk1" tx1="lt1" bg2="dk2" tx2="lt2" accent1="accent1" accent2="accent2" accent3="accent3" accent4="accent4" accent5="accent5" accent6="accent6" hlink="hlink" folHlink="folHlink"/>
   <p:sldLayoutIdLst>
-    <p:sldLayoutId id="2147483649" r:id="rId1"/>
-    <p:sldLayoutId id="2147483650" r:id="rId2"/>
-    <p:sldLayoutId id="2147483651" r:id="rId3"/>
-    <p:sldLayoutId id="2147483652" r:id="rId4"/>
-    <p:sldLayoutId id="2147483653" r:id="rId5"/>
-    <p:sldLayoutId id="2147483654" r:id="rId6"/>
-    <p:sldLayoutId id="2147483655" r:id="rId7"/>
-    <p:sldLayoutId id="2147483656" r:id="rId8"/>
-    <p:sldLayoutId id="2147483657" r:id="rId9"/>
-    <p:sldLayoutId id="2147483658" r:id="rId10"/>
-    <p:sldLayoutId id="2147483659" r:id="rId11"/>
+    <p:sldLayoutId id="2147483661" r:id="rId1"/>
+    <p:sldLayoutId id="2147483662" r:id="rId2"/>
+    <p:sldLayoutId id="2147483663" r:id="rId3"/>
+    <p:sldLayoutId id="2147483664" r:id="rId4"/>
+    <p:sldLayoutId id="2147483665" r:id="rId5"/>
+    <p:sldLayoutId id="2147483666" r:id="rId6"/>
+    <p:sldLayoutId id="2147483667" r:id="rId7"/>
+    <p:sldLayoutId id="2147483668" r:id="rId8"/>
+    <p:sldLayoutId id="2147483669" r:id="rId9"/>
+    <p:sldLayoutId id="2147483670" r:id="rId10"/>
+    <p:sldLayoutId id="2147483671" r:id="rId11"/>
   </p:sldLayoutIdLst>
+  <p:timing>
+    <p:tnLst>
+      <p:par>
+        <p:cTn id="1" dur="indefinite" restart="never" nodeType="tmRoot"/>
+      </p:par>
+    </p:tnLst>
+  </p:timing>
   <p:txStyles>
     <p:titleStyle>
-      <a:lvl1pPr algn="ctr" defTabSz="914400" rtl="0" eaLnBrk="1" latinLnBrk="0" hangingPunct="1">
+      <a:lvl1pPr algn="l" defTabSz="914400" rtl="0" eaLnBrk="1" latinLnBrk="0" hangingPunct="1">
         <a:spcBef>
           <a:spcPct val="0"/>
         </a:spcBef>
         <a:buNone/>
-        <a:defRPr sz="4400" kern="1200">
+        <a:defRPr sz="1800" kern="1200" cap="all" baseline="0">
           <a:solidFill>
             <a:schemeClr val="tx1"/>
           </a:solidFill>
@@ -2802,15 +2993,71 @@
           <a:cs typeface="+mj-cs"/>
         </a:defRPr>
       </a:lvl1pPr>
+      <a:lvl2pPr eaLnBrk="1" hangingPunct="1">
+        <a:defRPr>
+          <a:solidFill>
+            <a:schemeClr val="tx2"/>
+          </a:solidFill>
+        </a:defRPr>
+      </a:lvl2pPr>
+      <a:lvl3pPr eaLnBrk="1" hangingPunct="1">
+        <a:defRPr>
+          <a:solidFill>
+            <a:schemeClr val="tx2"/>
+          </a:solidFill>
+        </a:defRPr>
+      </a:lvl3pPr>
+      <a:lvl4pPr eaLnBrk="1" hangingPunct="1">
+        <a:defRPr>
+          <a:solidFill>
+            <a:schemeClr val="tx2"/>
+          </a:solidFill>
+        </a:defRPr>
+      </a:lvl4pPr>
+      <a:lvl5pPr eaLnBrk="1" hangingPunct="1">
+        <a:defRPr>
+          <a:solidFill>
+            <a:schemeClr val="tx2"/>
+          </a:solidFill>
+        </a:defRPr>
+      </a:lvl5pPr>
+      <a:lvl6pPr eaLnBrk="1" hangingPunct="1">
+        <a:defRPr>
+          <a:solidFill>
+            <a:schemeClr val="tx2"/>
+          </a:solidFill>
+        </a:defRPr>
+      </a:lvl6pPr>
+      <a:lvl7pPr eaLnBrk="1" hangingPunct="1">
+        <a:defRPr>
+          <a:solidFill>
+            <a:schemeClr val="tx2"/>
+          </a:solidFill>
+        </a:defRPr>
+      </a:lvl7pPr>
+      <a:lvl8pPr eaLnBrk="1" hangingPunct="1">
+        <a:defRPr>
+          <a:solidFill>
+            <a:schemeClr val="tx2"/>
+          </a:solidFill>
+        </a:defRPr>
+      </a:lvl8pPr>
+      <a:lvl9pPr eaLnBrk="1" hangingPunct="1">
+        <a:defRPr>
+          <a:solidFill>
+            <a:schemeClr val="tx2"/>
+          </a:solidFill>
+        </a:defRPr>
+      </a:lvl9pPr>
     </p:titleStyle>
     <p:bodyStyle>
-      <a:lvl1pPr marL="342900" indent="-342900" algn="l" defTabSz="914400" rtl="0" eaLnBrk="1" latinLnBrk="0" hangingPunct="1">
+      <a:lvl1pPr marL="274320" indent="-274320" algn="l" defTabSz="914400" rtl="0" eaLnBrk="1" latinLnBrk="0" hangingPunct="1">
         <a:spcBef>
           <a:spcPct val="20000"/>
         </a:spcBef>
         <a:buFont typeface="Arial" pitchFamily="34" charset="0"/>
         <a:buChar char="•"/>
-        <a:defRPr sz="3200" kern="1200">
+        <a:defRPr sz="1800" i="1" kern="1200">
           <a:solidFill>
             <a:schemeClr val="tx1"/>
           </a:solidFill>
@@ -2825,7 +3072,7 @@
         </a:spcBef>
         <a:buFont typeface="Arial" pitchFamily="34" charset="0"/>
         <a:buChar char="–"/>
-        <a:defRPr sz="2800" kern="1200">
+        <a:defRPr sz="1800" i="1" kern="1200">
           <a:solidFill>
             <a:schemeClr val="tx1"/>
           </a:solidFill>
@@ -2840,7 +3087,7 @@
         </a:spcBef>
         <a:buFont typeface="Arial" pitchFamily="34" charset="0"/>
         <a:buChar char="•"/>
-        <a:defRPr sz="2400" kern="1200">
+        <a:defRPr sz="1800" i="1" kern="1200">
           <a:solidFill>
             <a:schemeClr val="tx1"/>
           </a:solidFill>
@@ -2855,7 +3102,7 @@
         </a:spcBef>
         <a:buFont typeface="Arial" pitchFamily="34" charset="0"/>
         <a:buChar char="–"/>
-        <a:defRPr sz="2000" kern="1200">
+        <a:defRPr sz="1800" i="1" kern="1200">
           <a:solidFill>
             <a:schemeClr val="tx1"/>
           </a:solidFill>
@@ -2870,7 +3117,7 @@
         </a:spcBef>
         <a:buFont typeface="Arial" pitchFamily="34" charset="0"/>
         <a:buChar char="»"/>
-        <a:defRPr sz="2000" kern="1200">
+        <a:defRPr sz="1800" i="1" kern="1200">
           <a:solidFill>
             <a:schemeClr val="tx1"/>
           </a:solidFill>
@@ -2885,7 +3132,7 @@
         </a:spcBef>
         <a:buFont typeface="Arial" pitchFamily="34" charset="0"/>
         <a:buChar char="•"/>
-        <a:defRPr sz="2000" kern="1200">
+        <a:defRPr sz="1800" i="1" kern="1200">
           <a:solidFill>
             <a:schemeClr val="tx1"/>
           </a:solidFill>
@@ -2900,7 +3147,7 @@
         </a:spcBef>
         <a:buFont typeface="Arial" pitchFamily="34" charset="0"/>
         <a:buChar char="•"/>
-        <a:defRPr sz="2000" kern="1200">
+        <a:defRPr sz="1800" i="1" kern="1200">
           <a:solidFill>
             <a:schemeClr val="tx1"/>
           </a:solidFill>
@@ -2915,7 +3162,7 @@
         </a:spcBef>
         <a:buFont typeface="Arial" pitchFamily="34" charset="0"/>
         <a:buChar char="•"/>
-        <a:defRPr sz="2000" kern="1200">
+        <a:defRPr sz="1800" i="1" kern="1200">
           <a:solidFill>
             <a:schemeClr val="tx1"/>
           </a:solidFill>
@@ -2930,7 +3177,7 @@
         </a:spcBef>
         <a:buFont typeface="Arial" pitchFamily="34" charset="0"/>
         <a:buChar char="•"/>
-        <a:defRPr sz="2000" kern="1200">
+        <a:defRPr sz="1800" kern="1200">
           <a:solidFill>
             <a:schemeClr val="tx1"/>
           </a:solidFill>
@@ -3039,59 +3286,898 @@
 </p:sldMaster>
 </file>
 
+<file path=ppt/slides/slide1.xml><?xml version="1.0" encoding="utf-8"?>
+<p:sld xmlns:a="http://schemas.openxmlformats.org/drawingml/2006/main" xmlns:r="http://schemas.openxmlformats.org/officeDocument/2006/relationships" xmlns:p="http://schemas.openxmlformats.org/presentationml/2006/main">
+  <p:cSld>
+    <p:spTree>
+      <p:nvGrpSpPr>
+        <p:cNvPr id="1" name=""/>
+        <p:cNvGrpSpPr/>
+        <p:nvPr/>
+      </p:nvGrpSpPr>
+      <p:grpSpPr>
+        <a:xfrm>
+          <a:off x="0" y="0"/>
+          <a:ext cx="0" cy="0"/>
+          <a:chOff x="0" y="0"/>
+          <a:chExt cx="0" cy="0"/>
+        </a:xfrm>
+      </p:grpSpPr>
+      <p:sp>
+        <p:nvSpPr>
+          <p:cNvPr id="4" name="Rectangle 3"/>
+          <p:cNvSpPr/>
+          <p:nvPr/>
+        </p:nvSpPr>
+        <p:spPr>
+          <a:xfrm>
+            <a:off x="1676400" y="457200"/>
+            <a:ext cx="6019800" cy="523220"/>
+          </a:xfrm>
+          <a:prstGeom prst="rect">
+            <a:avLst/>
+          </a:prstGeom>
+        </p:spPr>
+        <p:txBody>
+          <a:bodyPr wrap="square">
+            <a:spAutoFit/>
+          </a:bodyPr>
+          <a:lstStyle/>
+          <a:p>
+            <a:pPr algn="ctr"/>
+            <a:r>
+              <a:rPr lang="en-US" sz="2800" b="1" dirty="0"/>
+              <a:t>User and Group Administration</a:t>
+            </a:r>
+            <a:endParaRPr lang="en-US" sz="2800" dirty="0"/>
+          </a:p>
+        </p:txBody>
+      </p:sp>
+      <p:sp>
+        <p:nvSpPr>
+          <p:cNvPr id="5" name="Rectangle 4"/>
+          <p:cNvSpPr/>
+          <p:nvPr/>
+        </p:nvSpPr>
+        <p:spPr>
+          <a:xfrm>
+            <a:off x="685800" y="1447800"/>
+            <a:ext cx="7772400" cy="3354765"/>
+          </a:xfrm>
+          <a:prstGeom prst="rect">
+            <a:avLst/>
+          </a:prstGeom>
+        </p:spPr>
+        <p:txBody>
+          <a:bodyPr wrap="square">
+            <a:spAutoFit/>
+          </a:bodyPr>
+          <a:lstStyle/>
+          <a:p>
+            <a:r>
+              <a:rPr lang="en-US" b="1" dirty="0"/>
+              <a:t>Adding and Deleting Users using </a:t>
+            </a:r>
+            <a:r>
+              <a:rPr lang="en-US" b="1" dirty="0" smtClean="0"/>
+              <a:t>command :-</a:t>
+            </a:r>
+          </a:p>
+          <a:p>
+            <a:endParaRPr lang="en-US" b="1" dirty="0"/>
+          </a:p>
+          <a:p>
+            <a:r>
+              <a:rPr lang="en-US" sz="2000" dirty="0" smtClean="0"/>
+              <a:t># </a:t>
+            </a:r>
+            <a:r>
+              <a:rPr lang="en-US" sz="2000" dirty="0" err="1" smtClean="0"/>
+              <a:t>useradd</a:t>
+            </a:r>
+            <a:r>
+              <a:rPr lang="en-US" sz="2000" dirty="0" smtClean="0"/>
+              <a:t> :-</a:t>
+            </a:r>
+            <a:endParaRPr lang="en-US" sz="2000" dirty="0"/>
+          </a:p>
+          <a:p>
+            <a:r>
+              <a:rPr lang="en-US" sz="2000" dirty="0" smtClean="0"/>
+              <a:t>   create </a:t>
+            </a:r>
+            <a:r>
+              <a:rPr lang="en-US" sz="2000" dirty="0"/>
+              <a:t>a new user or update default new user </a:t>
+            </a:r>
+            <a:r>
+              <a:rPr lang="en-US" sz="2000" dirty="0" smtClean="0"/>
+              <a:t>information.</a:t>
+            </a:r>
+          </a:p>
+          <a:p>
+            <a:r>
+              <a:rPr lang="en-US" sz="2000" dirty="0"/>
+              <a:t> </a:t>
+            </a:r>
+            <a:r>
+              <a:rPr lang="en-US" sz="2000" dirty="0" smtClean="0"/>
+              <a:t>  For example :- </a:t>
+            </a:r>
+          </a:p>
+          <a:p>
+            <a:r>
+              <a:rPr lang="en-US" sz="2000" dirty="0" smtClean="0"/>
+              <a:t>   # </a:t>
+            </a:r>
+            <a:r>
+              <a:rPr lang="en-US" sz="2000" dirty="0" err="1"/>
+              <a:t>useradd</a:t>
+            </a:r>
+            <a:r>
+              <a:rPr lang="en-US" sz="2000" dirty="0"/>
+              <a:t> </a:t>
+            </a:r>
+            <a:r>
+              <a:rPr lang="en-US" sz="2000" dirty="0" err="1" smtClean="0"/>
+              <a:t>user_name</a:t>
+            </a:r>
+            <a:r>
+              <a:rPr lang="en-US" sz="2000" dirty="0"/>
+              <a:t> </a:t>
+            </a:r>
+            <a:endParaRPr lang="en-US" sz="2000" dirty="0" smtClean="0"/>
+          </a:p>
+          <a:p>
+            <a:endParaRPr lang="en-US" sz="2000" dirty="0" smtClean="0"/>
+          </a:p>
+          <a:p>
+            <a:r>
+              <a:rPr lang="en-US" sz="2000" dirty="0" smtClean="0"/>
+              <a:t>For more information about </a:t>
+            </a:r>
+            <a:r>
+              <a:rPr lang="en-US" sz="2000" dirty="0" err="1" smtClean="0"/>
+              <a:t>useradd</a:t>
+            </a:r>
+            <a:r>
+              <a:rPr lang="en-US" sz="2000" dirty="0" smtClean="0"/>
+              <a:t> command see the man page           of </a:t>
+            </a:r>
+            <a:r>
+              <a:rPr lang="en-US" sz="2000" dirty="0" err="1" smtClean="0"/>
+              <a:t>useradd</a:t>
+            </a:r>
+            <a:endParaRPr lang="en-US" sz="2000" dirty="0"/>
+          </a:p>
+          <a:p>
+            <a:endParaRPr lang="en-US" b="1" dirty="0" smtClean="0"/>
+          </a:p>
+          <a:p>
+            <a:r>
+              <a:rPr lang="en-US" dirty="0"/>
+              <a:t> </a:t>
+            </a:r>
+            <a:r>
+              <a:rPr lang="en-US" dirty="0" smtClean="0"/>
+              <a:t># man </a:t>
+            </a:r>
+            <a:r>
+              <a:rPr lang="en-US" dirty="0" err="1" smtClean="0"/>
+              <a:t>useradd</a:t>
+            </a:r>
+            <a:r>
+              <a:rPr lang="en-US" dirty="0" smtClean="0"/>
+              <a:t>  </a:t>
+            </a:r>
+            <a:endParaRPr lang="en-US" dirty="0"/>
+          </a:p>
+        </p:txBody>
+      </p:sp>
+    </p:spTree>
+    <p:extLst>
+      <p:ext uri="{BB962C8B-B14F-4D97-AF65-F5344CB8AC3E}">
+        <p14:creationId xmlns:p14="http://schemas.microsoft.com/office/powerpoint/2010/main" val="599611958"/>
+      </p:ext>
+    </p:extLst>
+  </p:cSld>
+  <p:clrMapOvr>
+    <a:masterClrMapping/>
+  </p:clrMapOvr>
+</p:sld>
+</file>
+
+<file path=ppt/slides/slide2.xml><?xml version="1.0" encoding="utf-8"?>
+<p:sld xmlns:a="http://schemas.openxmlformats.org/drawingml/2006/main" xmlns:r="http://schemas.openxmlformats.org/officeDocument/2006/relationships" xmlns:p="http://schemas.openxmlformats.org/presentationml/2006/main">
+  <p:cSld>
+    <p:spTree>
+      <p:nvGrpSpPr>
+        <p:cNvPr id="1" name=""/>
+        <p:cNvGrpSpPr/>
+        <p:nvPr/>
+      </p:nvGrpSpPr>
+      <p:grpSpPr>
+        <a:xfrm>
+          <a:off x="0" y="0"/>
+          <a:ext cx="0" cy="0"/>
+          <a:chOff x="0" y="0"/>
+          <a:chExt cx="0" cy="0"/>
+        </a:xfrm>
+      </p:grpSpPr>
+      <p:sp>
+        <p:nvSpPr>
+          <p:cNvPr id="2" name="Rectangle 1"/>
+          <p:cNvSpPr/>
+          <p:nvPr/>
+        </p:nvSpPr>
+        <p:spPr>
+          <a:xfrm>
+            <a:off x="990600" y="1447800"/>
+            <a:ext cx="7543800" cy="3447098"/>
+          </a:xfrm>
+          <a:prstGeom prst="rect">
+            <a:avLst/>
+          </a:prstGeom>
+        </p:spPr>
+        <p:txBody>
+          <a:bodyPr wrap="square">
+            <a:spAutoFit/>
+          </a:bodyPr>
+          <a:lstStyle/>
+          <a:p>
+            <a:r>
+              <a:rPr lang="en-US" sz="2000" dirty="0" smtClean="0"/>
+              <a:t># </a:t>
+            </a:r>
+            <a:r>
+              <a:rPr lang="en-US" sz="2000" dirty="0" err="1" smtClean="0"/>
+              <a:t>userdel</a:t>
+            </a:r>
+            <a:r>
+              <a:rPr lang="en-US" sz="2000" dirty="0" smtClean="0"/>
+              <a:t>  :- </a:t>
+            </a:r>
+          </a:p>
+          <a:p>
+            <a:r>
+              <a:rPr lang="en-US" sz="2000" dirty="0" smtClean="0"/>
+              <a:t>delete </a:t>
+            </a:r>
+            <a:r>
+              <a:rPr lang="en-US" sz="2000" dirty="0"/>
+              <a:t>a user account and related </a:t>
+            </a:r>
+            <a:r>
+              <a:rPr lang="en-US" sz="2000" dirty="0" smtClean="0"/>
+              <a:t>files.</a:t>
+            </a:r>
+          </a:p>
+          <a:p>
+            <a:endParaRPr lang="en-US" sz="2000" dirty="0" smtClean="0"/>
+          </a:p>
+          <a:p>
+            <a:r>
+              <a:rPr lang="en-US" sz="2000" dirty="0" smtClean="0"/>
+              <a:t>   For </a:t>
+            </a:r>
+            <a:r>
+              <a:rPr lang="en-US" sz="2000" dirty="0"/>
+              <a:t>example :- </a:t>
+            </a:r>
+          </a:p>
+          <a:p>
+            <a:r>
+              <a:rPr lang="en-US" sz="2000" dirty="0"/>
+              <a:t>   # </a:t>
+            </a:r>
+            <a:r>
+              <a:rPr lang="en-US" sz="2000" dirty="0" err="1" smtClean="0"/>
+              <a:t>userdel</a:t>
+            </a:r>
+            <a:r>
+              <a:rPr lang="en-US" sz="2000" dirty="0" smtClean="0"/>
+              <a:t> </a:t>
+            </a:r>
+            <a:r>
+              <a:rPr lang="en-US" sz="2000" dirty="0" err="1" smtClean="0"/>
+              <a:t>user_name</a:t>
+            </a:r>
+            <a:endParaRPr lang="en-US" sz="2000" dirty="0" smtClean="0"/>
+          </a:p>
+          <a:p>
+            <a:endParaRPr lang="en-US" sz="2000" dirty="0"/>
+          </a:p>
+          <a:p>
+            <a:r>
+              <a:rPr lang="en-US" sz="2000" dirty="0"/>
+              <a:t>For more information about </a:t>
+            </a:r>
+            <a:r>
+              <a:rPr lang="en-US" sz="2000" dirty="0" err="1" smtClean="0"/>
+              <a:t>userdel</a:t>
+            </a:r>
+            <a:r>
+              <a:rPr lang="en-US" sz="2000" dirty="0" smtClean="0"/>
+              <a:t> </a:t>
+            </a:r>
+            <a:r>
+              <a:rPr lang="en-US" sz="2000" dirty="0"/>
+              <a:t>command see the man page </a:t>
+            </a:r>
+            <a:r>
+              <a:rPr lang="en-US" sz="2000" dirty="0" smtClean="0"/>
+              <a:t>of </a:t>
+            </a:r>
+            <a:r>
+              <a:rPr lang="en-US" sz="2000" dirty="0" err="1" smtClean="0"/>
+              <a:t>userdel</a:t>
+            </a:r>
+            <a:endParaRPr lang="en-US" sz="2000" dirty="0"/>
+          </a:p>
+          <a:p>
+            <a:endParaRPr lang="en-US" sz="2000" b="1" dirty="0"/>
+          </a:p>
+          <a:p>
+            <a:r>
+              <a:rPr lang="en-US" sz="2000" dirty="0"/>
+              <a:t> # man </a:t>
+            </a:r>
+            <a:r>
+              <a:rPr lang="en-US" sz="2000" dirty="0" err="1" smtClean="0"/>
+              <a:t>userdel</a:t>
+            </a:r>
+            <a:r>
+              <a:rPr lang="en-US" sz="2000" dirty="0" smtClean="0"/>
+              <a:t>  </a:t>
+            </a:r>
+            <a:endParaRPr lang="en-US" sz="2000" dirty="0"/>
+          </a:p>
+          <a:p>
+            <a:endParaRPr lang="en-US" dirty="0"/>
+          </a:p>
+        </p:txBody>
+      </p:sp>
+    </p:spTree>
+    <p:extLst>
+      <p:ext uri="{BB962C8B-B14F-4D97-AF65-F5344CB8AC3E}">
+        <p14:creationId xmlns:p14="http://schemas.microsoft.com/office/powerpoint/2010/main" val="1176521551"/>
+      </p:ext>
+    </p:extLst>
+  </p:cSld>
+  <p:clrMapOvr>
+    <a:masterClrMapping/>
+  </p:clrMapOvr>
+</p:sld>
+</file>
+
+<file path=ppt/slides/slide3.xml><?xml version="1.0" encoding="utf-8"?>
+<p:sld xmlns:a="http://schemas.openxmlformats.org/drawingml/2006/main" xmlns:r="http://schemas.openxmlformats.org/officeDocument/2006/relationships" xmlns:p="http://schemas.openxmlformats.org/presentationml/2006/main">
+  <p:cSld>
+    <p:spTree>
+      <p:nvGrpSpPr>
+        <p:cNvPr id="1" name=""/>
+        <p:cNvGrpSpPr/>
+        <p:nvPr/>
+      </p:nvGrpSpPr>
+      <p:grpSpPr>
+        <a:xfrm>
+          <a:off x="0" y="0"/>
+          <a:ext cx="0" cy="0"/>
+          <a:chOff x="0" y="0"/>
+          <a:chExt cx="0" cy="0"/>
+        </a:xfrm>
+      </p:grpSpPr>
+      <p:sp>
+        <p:nvSpPr>
+          <p:cNvPr id="2" name="Rectangle 1"/>
+          <p:cNvSpPr/>
+          <p:nvPr/>
+        </p:nvSpPr>
+        <p:spPr>
+          <a:xfrm>
+            <a:off x="609600" y="1447800"/>
+            <a:ext cx="8153400" cy="2523768"/>
+          </a:xfrm>
+          <a:prstGeom prst="rect">
+            <a:avLst/>
+          </a:prstGeom>
+        </p:spPr>
+        <p:txBody>
+          <a:bodyPr wrap="square">
+            <a:spAutoFit/>
+          </a:bodyPr>
+          <a:lstStyle/>
+          <a:p>
+            <a:r>
+              <a:rPr lang="en-US" sz="2000" dirty="0" smtClean="0"/>
+              <a:t># </a:t>
+            </a:r>
+            <a:r>
+              <a:rPr lang="en-US" sz="2000" dirty="0" err="1"/>
+              <a:t>usermod</a:t>
+            </a:r>
+            <a:r>
+              <a:rPr lang="en-US" sz="2000" dirty="0"/>
+              <a:t> </a:t>
+            </a:r>
+            <a:r>
+              <a:rPr lang="en-US" sz="2000" dirty="0" smtClean="0"/>
+              <a:t>:-</a:t>
+            </a:r>
+          </a:p>
+          <a:p>
+            <a:r>
+              <a:rPr lang="en-US" sz="2000" dirty="0" smtClean="0"/>
+              <a:t>The </a:t>
+            </a:r>
+            <a:r>
+              <a:rPr lang="en-US" sz="2000" dirty="0" err="1"/>
+              <a:t>usermod</a:t>
+            </a:r>
+            <a:r>
+              <a:rPr lang="en-US" sz="2000" dirty="0"/>
+              <a:t> command modifies the system account files to reflect </a:t>
+            </a:r>
+            <a:r>
+              <a:rPr lang="en-US" sz="2000" dirty="0" smtClean="0"/>
+              <a:t>the changes </a:t>
+            </a:r>
+            <a:r>
+              <a:rPr lang="en-US" sz="2000" dirty="0"/>
+              <a:t>that are specified on the command line</a:t>
+            </a:r>
+            <a:r>
+              <a:rPr lang="en-US" sz="2000" dirty="0" smtClean="0"/>
+              <a:t>.</a:t>
+            </a:r>
+          </a:p>
+          <a:p>
+            <a:endParaRPr lang="en-US" sz="2000" dirty="0"/>
+          </a:p>
+          <a:p>
+            <a:r>
+              <a:rPr lang="en-US" sz="2000" dirty="0"/>
+              <a:t>For more information about </a:t>
+            </a:r>
+            <a:r>
+              <a:rPr lang="en-US" sz="2000" dirty="0" err="1"/>
+              <a:t>usermod</a:t>
+            </a:r>
+            <a:r>
+              <a:rPr lang="en-US" sz="2000" dirty="0" smtClean="0"/>
+              <a:t> </a:t>
+            </a:r>
+            <a:r>
+              <a:rPr lang="en-US" sz="2000" dirty="0"/>
+              <a:t>command see the man page of </a:t>
+            </a:r>
+            <a:r>
+              <a:rPr lang="en-US" sz="2000" dirty="0" err="1"/>
+              <a:t>usermod</a:t>
+            </a:r>
+            <a:endParaRPr lang="en-US" sz="2000" b="1" dirty="0"/>
+          </a:p>
+          <a:p>
+            <a:r>
+              <a:rPr lang="en-US" sz="2000" dirty="0"/>
+              <a:t> # man </a:t>
+            </a:r>
+            <a:r>
+              <a:rPr lang="en-US" sz="2000" dirty="0" err="1"/>
+              <a:t>usermod</a:t>
+            </a:r>
+            <a:endParaRPr lang="en-US" sz="2000" dirty="0"/>
+          </a:p>
+          <a:p>
+            <a:endParaRPr lang="en-US" dirty="0"/>
+          </a:p>
+        </p:txBody>
+      </p:sp>
+    </p:spTree>
+    <p:extLst>
+      <p:ext uri="{BB962C8B-B14F-4D97-AF65-F5344CB8AC3E}">
+        <p14:creationId xmlns:p14="http://schemas.microsoft.com/office/powerpoint/2010/main" val="1202228528"/>
+      </p:ext>
+    </p:extLst>
+  </p:cSld>
+  <p:clrMapOvr>
+    <a:masterClrMapping/>
+  </p:clrMapOvr>
+</p:sld>
+</file>
+
+<file path=ppt/slides/slide4.xml><?xml version="1.0" encoding="utf-8"?>
+<p:sld xmlns:a="http://schemas.openxmlformats.org/drawingml/2006/main" xmlns:r="http://schemas.openxmlformats.org/officeDocument/2006/relationships" xmlns:p="http://schemas.openxmlformats.org/presentationml/2006/main">
+  <p:cSld>
+    <p:spTree>
+      <p:nvGrpSpPr>
+        <p:cNvPr id="1" name=""/>
+        <p:cNvGrpSpPr/>
+        <p:nvPr/>
+      </p:nvGrpSpPr>
+      <p:grpSpPr>
+        <a:xfrm>
+          <a:off x="0" y="0"/>
+          <a:ext cx="0" cy="0"/>
+          <a:chOff x="0" y="0"/>
+          <a:chExt cx="0" cy="0"/>
+        </a:xfrm>
+      </p:grpSpPr>
+      <p:sp>
+        <p:nvSpPr>
+          <p:cNvPr id="2" name="Rectangle 1"/>
+          <p:cNvSpPr/>
+          <p:nvPr/>
+        </p:nvSpPr>
+        <p:spPr>
+          <a:xfrm>
+            <a:off x="990600" y="1447800"/>
+            <a:ext cx="7543800" cy="3170099"/>
+          </a:xfrm>
+          <a:prstGeom prst="rect">
+            <a:avLst/>
+          </a:prstGeom>
+        </p:spPr>
+        <p:txBody>
+          <a:bodyPr wrap="square">
+            <a:spAutoFit/>
+          </a:bodyPr>
+          <a:lstStyle/>
+          <a:p>
+            <a:r>
+              <a:rPr lang="en-US" sz="2000" dirty="0"/>
+              <a:t>#  </a:t>
+            </a:r>
+            <a:r>
+              <a:rPr lang="en-US" sz="2000" dirty="0" err="1"/>
+              <a:t>groupadd</a:t>
+            </a:r>
+            <a:r>
+              <a:rPr lang="en-US" sz="2000" dirty="0"/>
+              <a:t> </a:t>
+            </a:r>
+            <a:r>
+              <a:rPr lang="en-US" sz="2000" dirty="0" smtClean="0"/>
+              <a:t> :- </a:t>
+            </a:r>
+          </a:p>
+          <a:p>
+            <a:r>
+              <a:rPr lang="en-US" sz="2000" dirty="0"/>
+              <a:t> </a:t>
+            </a:r>
+            <a:r>
+              <a:rPr lang="en-US" sz="2000" dirty="0" smtClean="0"/>
+              <a:t>   create </a:t>
+            </a:r>
+            <a:r>
+              <a:rPr lang="en-US" sz="2000" dirty="0"/>
+              <a:t>a new group</a:t>
+            </a:r>
+          </a:p>
+          <a:p>
+            <a:endParaRPr lang="en-US" sz="2000" dirty="0" smtClean="0"/>
+          </a:p>
+          <a:p>
+            <a:r>
+              <a:rPr lang="en-US" sz="2000" dirty="0" smtClean="0"/>
+              <a:t>   For </a:t>
+            </a:r>
+            <a:r>
+              <a:rPr lang="en-US" sz="2000" dirty="0"/>
+              <a:t>example :- </a:t>
+            </a:r>
+          </a:p>
+          <a:p>
+            <a:r>
+              <a:rPr lang="en-US" sz="2000" dirty="0"/>
+              <a:t>   # </a:t>
+            </a:r>
+            <a:r>
+              <a:rPr lang="en-US" sz="2000" dirty="0" err="1"/>
+              <a:t>groupadd</a:t>
+            </a:r>
+            <a:r>
+              <a:rPr lang="en-US" sz="2000" dirty="0"/>
+              <a:t>  &lt;</a:t>
+            </a:r>
+            <a:r>
+              <a:rPr lang="en-US" sz="2000" dirty="0" err="1" smtClean="0"/>
+              <a:t>Group_name</a:t>
+            </a:r>
+            <a:r>
+              <a:rPr lang="en-US" sz="2000" dirty="0" smtClean="0"/>
+              <a:t>&gt;</a:t>
+            </a:r>
+          </a:p>
+          <a:p>
+            <a:endParaRPr lang="en-US" sz="2000" dirty="0"/>
+          </a:p>
+          <a:p>
+            <a:r>
+              <a:rPr lang="en-US" sz="2000" dirty="0"/>
+              <a:t>For more information about </a:t>
+            </a:r>
+            <a:r>
+              <a:rPr lang="en-US" sz="2000" dirty="0" err="1"/>
+              <a:t>groupadd</a:t>
+            </a:r>
+            <a:r>
+              <a:rPr lang="en-US" sz="2000" dirty="0" smtClean="0"/>
+              <a:t> </a:t>
+            </a:r>
+            <a:r>
+              <a:rPr lang="en-US" sz="2000" dirty="0"/>
+              <a:t>command see the man page </a:t>
+            </a:r>
+            <a:r>
+              <a:rPr lang="en-US" sz="2000" dirty="0" smtClean="0"/>
+              <a:t>of </a:t>
+            </a:r>
+            <a:r>
+              <a:rPr lang="en-US" sz="2000" dirty="0" err="1" smtClean="0"/>
+              <a:t>groupadd</a:t>
+            </a:r>
+            <a:endParaRPr lang="en-US" sz="2000" dirty="0" smtClean="0"/>
+          </a:p>
+          <a:p>
+            <a:endParaRPr lang="en-US" sz="2000" b="1" dirty="0"/>
+          </a:p>
+          <a:p>
+            <a:r>
+              <a:rPr lang="en-US" sz="2000" dirty="0"/>
+              <a:t> # man </a:t>
+            </a:r>
+            <a:r>
+              <a:rPr lang="en-US" sz="2000" dirty="0" err="1"/>
+              <a:t>groupadd</a:t>
+            </a:r>
+            <a:endParaRPr lang="en-US" dirty="0"/>
+          </a:p>
+        </p:txBody>
+      </p:sp>
+    </p:spTree>
+    <p:extLst>
+      <p:ext uri="{BB962C8B-B14F-4D97-AF65-F5344CB8AC3E}">
+        <p14:creationId xmlns:p14="http://schemas.microsoft.com/office/powerpoint/2010/main" val="2951282377"/>
+      </p:ext>
+    </p:extLst>
+  </p:cSld>
+  <p:clrMapOvr>
+    <a:masterClrMapping/>
+  </p:clrMapOvr>
+</p:sld>
+</file>
+
+<file path=ppt/slides/slide5.xml><?xml version="1.0" encoding="utf-8"?>
+<p:sld xmlns:a="http://schemas.openxmlformats.org/drawingml/2006/main" xmlns:r="http://schemas.openxmlformats.org/officeDocument/2006/relationships" xmlns:p="http://schemas.openxmlformats.org/presentationml/2006/main">
+  <p:cSld>
+    <p:spTree>
+      <p:nvGrpSpPr>
+        <p:cNvPr id="1" name=""/>
+        <p:cNvGrpSpPr/>
+        <p:nvPr/>
+      </p:nvGrpSpPr>
+      <p:grpSpPr>
+        <a:xfrm>
+          <a:off x="0" y="0"/>
+          <a:ext cx="0" cy="0"/>
+          <a:chOff x="0" y="0"/>
+          <a:chExt cx="0" cy="0"/>
+        </a:xfrm>
+      </p:grpSpPr>
+      <p:sp>
+        <p:nvSpPr>
+          <p:cNvPr id="2" name="Rectangle 1"/>
+          <p:cNvSpPr/>
+          <p:nvPr/>
+        </p:nvSpPr>
+        <p:spPr>
+          <a:xfrm>
+            <a:off x="990600" y="1447800"/>
+            <a:ext cx="7543800" cy="3170099"/>
+          </a:xfrm>
+          <a:prstGeom prst="rect">
+            <a:avLst/>
+          </a:prstGeom>
+        </p:spPr>
+        <p:txBody>
+          <a:bodyPr wrap="square">
+            <a:spAutoFit/>
+          </a:bodyPr>
+          <a:lstStyle/>
+          <a:p>
+            <a:r>
+              <a:rPr lang="en-US" sz="2000" dirty="0"/>
+              <a:t>#  </a:t>
+            </a:r>
+            <a:r>
+              <a:rPr lang="en-US" sz="2000" dirty="0" err="1"/>
+              <a:t>groupdel</a:t>
+            </a:r>
+            <a:r>
+              <a:rPr lang="en-US" sz="2000" dirty="0"/>
+              <a:t>  </a:t>
+            </a:r>
+            <a:r>
+              <a:rPr lang="en-US" sz="2000" dirty="0" smtClean="0"/>
+              <a:t>:- </a:t>
+            </a:r>
+          </a:p>
+          <a:p>
+            <a:r>
+              <a:rPr lang="en-US" sz="2000" dirty="0"/>
+              <a:t> </a:t>
+            </a:r>
+            <a:r>
+              <a:rPr lang="en-US" sz="2000" dirty="0" smtClean="0"/>
+              <a:t>   Delete </a:t>
+            </a:r>
+            <a:r>
+              <a:rPr lang="en-US" sz="2000" dirty="0"/>
+              <a:t>a </a:t>
+            </a:r>
+            <a:r>
+              <a:rPr lang="en-US" sz="2000" dirty="0" smtClean="0"/>
+              <a:t>group</a:t>
+            </a:r>
+            <a:endParaRPr lang="en-US" sz="2000" dirty="0"/>
+          </a:p>
+          <a:p>
+            <a:endParaRPr lang="en-US" sz="2000" dirty="0" smtClean="0"/>
+          </a:p>
+          <a:p>
+            <a:r>
+              <a:rPr lang="en-US" sz="2000" dirty="0" smtClean="0"/>
+              <a:t>   For </a:t>
+            </a:r>
+            <a:r>
+              <a:rPr lang="en-US" sz="2000" dirty="0"/>
+              <a:t>example :- </a:t>
+            </a:r>
+          </a:p>
+          <a:p>
+            <a:r>
+              <a:rPr lang="en-US" sz="2000" dirty="0"/>
+              <a:t>   # </a:t>
+            </a:r>
+            <a:r>
+              <a:rPr lang="en-US" sz="2000" dirty="0" err="1"/>
+              <a:t>groupdel</a:t>
+            </a:r>
+            <a:r>
+              <a:rPr lang="en-US" sz="2000" dirty="0" smtClean="0"/>
+              <a:t>  </a:t>
+            </a:r>
+            <a:r>
+              <a:rPr lang="en-US" sz="2000" dirty="0"/>
+              <a:t>&lt;</a:t>
+            </a:r>
+            <a:r>
+              <a:rPr lang="en-US" sz="2000" dirty="0" err="1" smtClean="0"/>
+              <a:t>Group_name</a:t>
+            </a:r>
+            <a:r>
+              <a:rPr lang="en-US" sz="2000" dirty="0" smtClean="0"/>
+              <a:t>&gt;</a:t>
+            </a:r>
+          </a:p>
+          <a:p>
+            <a:endParaRPr lang="en-US" sz="2000" dirty="0"/>
+          </a:p>
+          <a:p>
+            <a:r>
+              <a:rPr lang="en-US" sz="2000" dirty="0"/>
+              <a:t>For more information about </a:t>
+            </a:r>
+            <a:r>
+              <a:rPr lang="en-US" sz="2000" dirty="0" err="1"/>
+              <a:t>groupdel</a:t>
+            </a:r>
+            <a:r>
+              <a:rPr lang="en-US" sz="2000" dirty="0" smtClean="0"/>
+              <a:t> </a:t>
+            </a:r>
+            <a:r>
+              <a:rPr lang="en-US" sz="2000" dirty="0"/>
+              <a:t>command see the man page </a:t>
+            </a:r>
+            <a:r>
+              <a:rPr lang="en-US" sz="2000" dirty="0" smtClean="0"/>
+              <a:t>of </a:t>
+            </a:r>
+            <a:r>
+              <a:rPr lang="en-US" sz="2000" dirty="0" err="1" smtClean="0"/>
+              <a:t>groupdel</a:t>
+            </a:r>
+            <a:endParaRPr lang="en-US" sz="2000" dirty="0" smtClean="0"/>
+          </a:p>
+          <a:p>
+            <a:endParaRPr lang="en-US" sz="2000" b="1" dirty="0"/>
+          </a:p>
+          <a:p>
+            <a:r>
+              <a:rPr lang="en-US" sz="2000" dirty="0"/>
+              <a:t> # man </a:t>
+            </a:r>
+            <a:r>
+              <a:rPr lang="en-US" sz="2000" dirty="0" err="1"/>
+              <a:t>groupdel</a:t>
+            </a:r>
+            <a:r>
+              <a:rPr lang="en-US" sz="2000" dirty="0"/>
+              <a:t> </a:t>
+            </a:r>
+            <a:endParaRPr lang="en-US" dirty="0"/>
+          </a:p>
+        </p:txBody>
+      </p:sp>
+    </p:spTree>
+    <p:extLst>
+      <p:ext uri="{BB962C8B-B14F-4D97-AF65-F5344CB8AC3E}">
+        <p14:creationId xmlns:p14="http://schemas.microsoft.com/office/powerpoint/2010/main" val="3247528892"/>
+      </p:ext>
+    </p:extLst>
+  </p:cSld>
+  <p:clrMapOvr>
+    <a:masterClrMapping/>
+  </p:clrMapOvr>
+</p:sld>
+</file>
+
 <file path=ppt/theme/theme1.xml><?xml version="1.0" encoding="utf-8"?>
-<a:theme xmlns:a="http://schemas.openxmlformats.org/drawingml/2006/main" name="Office Theme">
+<a:theme xmlns:a="http://schemas.openxmlformats.org/drawingml/2006/main" name="Tradeshow">
   <a:themeElements>
-    <a:clrScheme name="Office">
+    <a:clrScheme name="Tradeshow">
       <a:dk1>
-        <a:sysClr val="windowText" lastClr="000000"/>
+        <a:srgbClr val="3F3F3F"/>
       </a:dk1>
       <a:lt1>
-        <a:sysClr val="window" lastClr="FFFFFF"/>
+        <a:srgbClr val="FFFFFF"/>
       </a:lt1>
       <a:dk2>
-        <a:srgbClr val="1F497D"/>
+        <a:srgbClr val="7DAFC3"/>
       </a:dk2>
       <a:lt2>
-        <a:srgbClr val="EEECE1"/>
+        <a:srgbClr val="E5E4DF"/>
       </a:lt2>
       <a:accent1>
-        <a:srgbClr val="4F81BD"/>
+        <a:srgbClr val="7C959A"/>
       </a:accent1>
       <a:accent2>
-        <a:srgbClr val="C0504D"/>
+        <a:srgbClr val="DB8631"/>
       </a:accent2>
       <a:accent3>
-        <a:srgbClr val="9BBB59"/>
+        <a:srgbClr val="E3CC5A"/>
       </a:accent3>
       <a:accent4>
-        <a:srgbClr val="8064A2"/>
+        <a:srgbClr val="ACADA8"/>
       </a:accent4>
       <a:accent5>
-        <a:srgbClr val="4BACC6"/>
+        <a:srgbClr val="927C61"/>
       </a:accent5>
       <a:accent6>
-        <a:srgbClr val="F79646"/>
+        <a:srgbClr val="B3B435"/>
       </a:accent6>
       <a:hlink>
-        <a:srgbClr val="0000FF"/>
+        <a:srgbClr val="0079A4"/>
       </a:hlink>
       <a:folHlink>
-        <a:srgbClr val="800080"/>
+        <a:srgbClr val="595959"/>
       </a:folHlink>
     </a:clrScheme>
-    <a:fontScheme name="Office">
+    <a:fontScheme name="Tradeshow">
       <a:majorFont>
-        <a:latin typeface="Calibri"/>
+        <a:latin typeface="Arial Black"/>
         <a:ea typeface=""/>
         <a:cs typeface=""/>
         <a:font script="Jpan" typeface="ＭＳ Ｐゴシック"/>
-        <a:font script="Hang" typeface="맑은 고딕"/>
+        <a:font script="Hang" typeface="HY견고딕"/>
         <a:font script="Hans" typeface="宋体"/>
         <a:font script="Hant" typeface="新細明體"/>
-        <a:font script="Arab" typeface="Times New Roman"/>
-        <a:font script="Hebr" typeface="Times New Roman"/>
-        <a:font script="Thai" typeface="Angsana New"/>
+        <a:font script="Arab" typeface="Tahoma"/>
+        <a:font script="Hebr" typeface="Tahoma"/>
+        <a:font script="Thai" typeface="Tahoma"/>
         <a:font script="Ethi" typeface="Nyala"/>
         <a:font script="Beng" typeface="Vrinda"/>
         <a:font script="Gujr" typeface="Shruti"/>
@@ -3114,18 +4200,19 @@
         <a:font script="Mong" typeface="Mongolian Baiti"/>
         <a:font script="Viet" typeface="Times New Roman"/>
         <a:font script="Uigh" typeface="Microsoft Uighur"/>
+        <a:font script="Geor" typeface="Sylfaen"/>
       </a:majorFont>
       <a:minorFont>
-        <a:latin typeface="Calibri"/>
+        <a:latin typeface="Candara"/>
         <a:ea typeface=""/>
         <a:cs typeface=""/>
         <a:font script="Jpan" typeface="ＭＳ Ｐゴシック"/>
-        <a:font script="Hang" typeface="맑은 고딕"/>
-        <a:font script="Hans" typeface="宋体"/>
+        <a:font script="Hang" typeface="HY견명조"/>
+        <a:font script="Hans" typeface="华文楷体"/>
         <a:font script="Hant" typeface="新細明體"/>
         <a:font script="Arab" typeface="Arial"/>
         <a:font script="Hebr" typeface="Arial"/>
-        <a:font script="Thai" typeface="Cordia New"/>
+        <a:font script="Thai" typeface="KodchiangUPC"/>
         <a:font script="Ethi" typeface="Nyala"/>
         <a:font script="Beng" typeface="Vrinda"/>
         <a:font script="Gujr" typeface="Shruti"/>
@@ -3146,11 +4233,12 @@
         <a:font script="Laoo" typeface="DokChampa"/>
         <a:font script="Sinh" typeface="Iskoola Pota"/>
         <a:font script="Mong" typeface="Mongolian Baiti"/>
-        <a:font script="Viet" typeface="Arial"/>
+        <a:font script="Viet" typeface="Tahoma"/>
         <a:font script="Uigh" typeface="Microsoft Uighur"/>
+        <a:font script="Geor" typeface="Sylfaen"/>
       </a:minorFont>
     </a:fontScheme>
-    <a:fmtScheme name="Office">
+    <a:fmtScheme name="Tradeshow">
       <a:fillStyleLst>
         <a:solidFill>
           <a:schemeClr val="phClr"/>
@@ -3159,43 +4247,51 @@
           <a:gsLst>
             <a:gs pos="0">
               <a:schemeClr val="phClr">
-                <a:tint val="50000"/>
+                <a:tint val="45000"/>
                 <a:satMod val="300000"/>
               </a:schemeClr>
             </a:gs>
             <a:gs pos="35000">
               <a:schemeClr val="phClr">
-                <a:tint val="37000"/>
+                <a:tint val="45000"/>
                 <a:satMod val="300000"/>
+              </a:schemeClr>
+            </a:gs>
+            <a:gs pos="69000">
+              <a:schemeClr val="phClr">
+                <a:tint val="45000"/>
+                <a:satMod val="350000"/>
               </a:schemeClr>
             </a:gs>
             <a:gs pos="100000">
               <a:schemeClr val="phClr">
-                <a:tint val="15000"/>
+                <a:tint val="60000"/>
                 <a:satMod val="350000"/>
               </a:schemeClr>
             </a:gs>
           </a:gsLst>
-          <a:lin ang="16200000" scaled="1"/>
+          <a:path path="circle">
+            <a:fillToRect l="50000" t="50000" r="100000" b="100000"/>
+          </a:path>
         </a:gradFill>
         <a:gradFill rotWithShape="1">
           <a:gsLst>
             <a:gs pos="0">
               <a:schemeClr val="phClr">
-                <a:shade val="51000"/>
-                <a:satMod val="130000"/>
+                <a:shade val="47500"/>
+                <a:satMod val="137000"/>
               </a:schemeClr>
             </a:gs>
-            <a:gs pos="80000">
+            <a:gs pos="55000">
               <a:schemeClr val="phClr">
-                <a:shade val="93000"/>
-                <a:satMod val="130000"/>
+                <a:shade val="69000"/>
+                <a:satMod val="137000"/>
               </a:schemeClr>
             </a:gs>
             <a:gs pos="100000">
               <a:schemeClr val="phClr">
-                <a:shade val="94000"/>
-                <a:satMod val="135000"/>
+                <a:shade val="98000"/>
+                <a:satMod val="137000"/>
               </a:schemeClr>
             </a:gs>
           </a:gsLst>
@@ -3203,22 +4299,19 @@
         </a:gradFill>
       </a:fillStyleLst>
       <a:lnStyleLst>
-        <a:ln w="9525" cap="flat" cmpd="sng" algn="ctr">
-          <a:solidFill>
-            <a:schemeClr val="phClr">
-              <a:shade val="95000"/>
-              <a:satMod val="105000"/>
-            </a:schemeClr>
-          </a:solidFill>
-          <a:prstDash val="solid"/>
-        </a:ln>
-        <a:ln w="25400" cap="flat" cmpd="sng" algn="ctr">
+        <a:ln w="9525" cap="rnd" cmpd="sng" algn="ctr">
           <a:solidFill>
             <a:schemeClr val="phClr"/>
           </a:solidFill>
           <a:prstDash val="solid"/>
         </a:ln>
-        <a:ln w="38100" cap="flat" cmpd="sng" algn="ctr">
+        <a:ln w="38475" cap="flat" cmpd="sng" algn="ctr">
+          <a:solidFill>
+            <a:schemeClr val="phClr"/>
+          </a:solidFill>
+          <a:prstDash val="solid"/>
+        </a:ln>
+        <a:ln w="54850" cap="flat" cmpd="sng" algn="ctr">
           <a:solidFill>
             <a:schemeClr val="phClr"/>
           </a:solidFill>
@@ -3228,27 +4321,27 @@
       <a:effectStyleLst>
         <a:effectStyle>
           <a:effectLst>
-            <a:outerShdw blurRad="40000" dist="20000" dir="5400000" rotWithShape="0">
+            <a:outerShdw blurRad="50800" dist="25400" dir="5400000" rotWithShape="0">
               <a:srgbClr val="000000">
-                <a:alpha val="38000"/>
+                <a:alpha val="55000"/>
               </a:srgbClr>
             </a:outerShdw>
           </a:effectLst>
         </a:effectStyle>
         <a:effectStyle>
           <a:effectLst>
-            <a:outerShdw blurRad="40000" dist="23000" dir="5400000" rotWithShape="0">
+            <a:outerShdw blurRad="50800" dist="25400" dir="5400000" rotWithShape="0">
               <a:srgbClr val="000000">
-                <a:alpha val="35000"/>
+                <a:alpha val="44000"/>
               </a:srgbClr>
             </a:outerShdw>
           </a:effectLst>
         </a:effectStyle>
         <a:effectStyle>
           <a:effectLst>
-            <a:outerShdw blurRad="40000" dist="23000" dir="5400000" rotWithShape="0">
+            <a:outerShdw blurRad="50800" dist="25400" dir="5400000" rotWithShape="0">
               <a:srgbClr val="000000">
-                <a:alpha val="35000"/>
+                <a:alpha val="55000"/>
               </a:srgbClr>
             </a:outerShdw>
           </a:effectLst>
@@ -3256,12 +4349,17 @@
             <a:camera prst="orthographicFront">
               <a:rot lat="0" lon="0" rev="0"/>
             </a:camera>
-            <a:lightRig rig="threePt" dir="t">
-              <a:rot lat="0" lon="0" rev="1200000"/>
+            <a:lightRig rig="brightRoom" dir="tl">
+              <a:rot lat="0" lon="0" rev="3600000"/>
             </a:lightRig>
           </a:scene3d>
-          <a:sp3d>
-            <a:bevelT w="63500" h="25400"/>
+          <a:sp3d contourW="31750" prstMaterial="flat">
+            <a:bevelT w="127000" h="254000" prst="angle"/>
+            <a:contourClr>
+              <a:schemeClr val="phClr">
+                <a:shade val="20000"/>
+              </a:schemeClr>
+            </a:contourClr>
           </a:sp3d>
         </a:effectStyle>
       </a:effectStyleLst>
@@ -3271,47 +4369,40 @@
         </a:solidFill>
         <a:gradFill rotWithShape="1">
           <a:gsLst>
-            <a:gs pos="0">
+            <a:gs pos="20000">
               <a:schemeClr val="phClr">
-                <a:tint val="40000"/>
-                <a:satMod val="350000"/>
-              </a:schemeClr>
-            </a:gs>
-            <a:gs pos="40000">
-              <a:schemeClr val="phClr">
-                <a:tint val="45000"/>
-                <a:shade val="99000"/>
-                <a:satMod val="350000"/>
+                <a:tint val="80000"/>
+                <a:lumMod val="100000"/>
               </a:schemeClr>
             </a:gs>
             <a:gs pos="100000">
               <a:schemeClr val="phClr">
-                <a:shade val="20000"/>
-                <a:satMod val="255000"/>
+                <a:tint val="100000"/>
+                <a:lumMod val="80000"/>
               </a:schemeClr>
             </a:gs>
           </a:gsLst>
           <a:path path="circle">
-            <a:fillToRect l="50000" t="-80000" r="50000" b="180000"/>
+            <a:fillToRect l="50000" t="20000" r="100000" b="100000"/>
           </a:path>
         </a:gradFill>
         <a:gradFill rotWithShape="1">
           <a:gsLst>
             <a:gs pos="0">
               <a:schemeClr val="phClr">
-                <a:tint val="80000"/>
-                <a:satMod val="300000"/>
+                <a:tint val="100000"/>
+                <a:lumMod val="100000"/>
               </a:schemeClr>
             </a:gs>
             <a:gs pos="100000">
               <a:schemeClr val="phClr">
-                <a:shade val="30000"/>
-                <a:satMod val="200000"/>
+                <a:shade val="100000"/>
+                <a:lumMod val="60000"/>
               </a:schemeClr>
             </a:gs>
           </a:gsLst>
           <a:path path="circle">
-            <a:fillToRect l="50000" t="50000" r="50000" b="50000"/>
+            <a:fillToRect l="50000" t="20000" r="100000" b="100000"/>
           </a:path>
         </a:gradFill>
       </a:bgFillStyleLst>
